--- a/progress_report/Final Project.pptx
+++ b/progress_report/Final Project.pptx
@@ -5,7 +5,7 @@
     <p:sldMasterId id="2147483660" r:id="rId4"/>
   </p:sldMasterIdLst>
   <p:notesMasterIdLst>
-    <p:notesMasterId r:id="rId24"/>
+    <p:notesMasterId r:id="rId36"/>
   </p:notesMasterIdLst>
   <p:sldIdLst>
     <p:sldId id="298" r:id="rId5"/>
@@ -25,8 +25,20 @@
     <p:sldId id="312" r:id="rId19"/>
     <p:sldId id="308" r:id="rId20"/>
     <p:sldId id="317" r:id="rId21"/>
-    <p:sldId id="309" r:id="rId22"/>
-    <p:sldId id="318" r:id="rId23"/>
+    <p:sldId id="319" r:id="rId22"/>
+    <p:sldId id="320" r:id="rId23"/>
+    <p:sldId id="309" r:id="rId24"/>
+    <p:sldId id="321" r:id="rId25"/>
+    <p:sldId id="323" r:id="rId26"/>
+    <p:sldId id="324" r:id="rId27"/>
+    <p:sldId id="325" r:id="rId28"/>
+    <p:sldId id="326" r:id="rId29"/>
+    <p:sldId id="327" r:id="rId30"/>
+    <p:sldId id="328" r:id="rId31"/>
+    <p:sldId id="331" r:id="rId32"/>
+    <p:sldId id="332" r:id="rId33"/>
+    <p:sldId id="318" r:id="rId34"/>
+    <p:sldId id="333" r:id="rId35"/>
   </p:sldIdLst>
   <p:sldSz cx="12192000" cy="6858000"/>
   <p:notesSz cx="6858000" cy="9144000"/>
@@ -215,7 +227,7 @@
           <a:p>
             <a:fld id="{AE2C8AF3-2467-4581-8A5A-696D581A0EDE}" type="datetimeFigureOut">
               <a:rPr lang="en-US" smtClean="0"/>
-              <a:t>4/15/2020</a:t>
+              <a:t>4/24/2020</a:t>
             </a:fld>
             <a:endParaRPr lang="en-US"/>
           </a:p>
@@ -556,7 +568,427 @@
     </p:spTree>
     <p:extLst>
       <p:ext uri="{BB962C8B-B14F-4D97-AF65-F5344CB8AC3E}">
+        <p14:creationId xmlns:p14="http://schemas.microsoft.com/office/powerpoint/2010/main" val="3966828997"/>
+      </p:ext>
+    </p:extLst>
+  </p:cSld>
+  <p:clrMapOvr>
+    <a:masterClrMapping/>
+  </p:clrMapOvr>
+</p:notes>
+</file>
+
+<file path=ppt/notesSlides/notesSlide2.xml><?xml version="1.0" encoding="utf-8"?>
+<p:notes xmlns:a="http://schemas.openxmlformats.org/drawingml/2006/main" xmlns:r="http://schemas.openxmlformats.org/officeDocument/2006/relationships" xmlns:p="http://schemas.openxmlformats.org/presentationml/2006/main">
+  <p:cSld>
+    <p:spTree>
+      <p:nvGrpSpPr>
+        <p:cNvPr id="1" name=""/>
+        <p:cNvGrpSpPr/>
+        <p:nvPr/>
+      </p:nvGrpSpPr>
+      <p:grpSpPr>
+        <a:xfrm>
+          <a:off x="0" y="0"/>
+          <a:ext cx="0" cy="0"/>
+          <a:chOff x="0" y="0"/>
+          <a:chExt cx="0" cy="0"/>
+        </a:xfrm>
+      </p:grpSpPr>
+      <p:sp>
+        <p:nvSpPr>
+          <p:cNvPr id="2" name="Slide Image Placeholder 1"/>
+          <p:cNvSpPr>
+            <a:spLocks noGrp="1" noRot="1" noChangeAspect="1"/>
+          </p:cNvSpPr>
+          <p:nvPr>
+            <p:ph type="sldImg"/>
+          </p:nvPr>
+        </p:nvSpPr>
+        <p:spPr/>
+      </p:sp>
+      <p:sp>
+        <p:nvSpPr>
+          <p:cNvPr id="3" name="Notes Placeholder 2"/>
+          <p:cNvSpPr>
+            <a:spLocks noGrp="1"/>
+          </p:cNvSpPr>
+          <p:nvPr>
+            <p:ph type="body" idx="1"/>
+          </p:nvPr>
+        </p:nvSpPr>
+        <p:spPr/>
+        <p:txBody>
+          <a:bodyPr/>
+          <a:lstStyle/>
+          <a:p>
+            <a:endParaRPr lang="en-US" dirty="0"/>
+          </a:p>
+        </p:txBody>
+      </p:sp>
+      <p:sp>
+        <p:nvSpPr>
+          <p:cNvPr id="4" name="Slide Number Placeholder 3"/>
+          <p:cNvSpPr>
+            <a:spLocks noGrp="1"/>
+          </p:cNvSpPr>
+          <p:nvPr>
+            <p:ph type="sldNum" sz="quarter" idx="5"/>
+          </p:nvPr>
+        </p:nvSpPr>
+        <p:spPr/>
+        <p:txBody>
+          <a:bodyPr/>
+          <a:lstStyle/>
+          <a:p>
+            <a:fld id="{F76D2514-A445-4924-B33B-06316436EAFC}" type="slidenum">
+              <a:rPr lang="en-US" smtClean="0"/>
+              <a:t>19</a:t>
+            </a:fld>
+            <a:endParaRPr lang="en-US"/>
+          </a:p>
+        </p:txBody>
+      </p:sp>
+    </p:spTree>
+    <p:extLst>
+      <p:ext uri="{BB962C8B-B14F-4D97-AF65-F5344CB8AC3E}">
+        <p14:creationId xmlns:p14="http://schemas.microsoft.com/office/powerpoint/2010/main" val="4178055830"/>
+      </p:ext>
+    </p:extLst>
+  </p:cSld>
+  <p:clrMapOvr>
+    <a:masterClrMapping/>
+  </p:clrMapOvr>
+</p:notes>
+</file>
+
+<file path=ppt/notesSlides/notesSlide3.xml><?xml version="1.0" encoding="utf-8"?>
+<p:notes xmlns:a="http://schemas.openxmlformats.org/drawingml/2006/main" xmlns:r="http://schemas.openxmlformats.org/officeDocument/2006/relationships" xmlns:p="http://schemas.openxmlformats.org/presentationml/2006/main">
+  <p:cSld>
+    <p:spTree>
+      <p:nvGrpSpPr>
+        <p:cNvPr id="1" name=""/>
+        <p:cNvGrpSpPr/>
+        <p:nvPr/>
+      </p:nvGrpSpPr>
+      <p:grpSpPr>
+        <a:xfrm>
+          <a:off x="0" y="0"/>
+          <a:ext cx="0" cy="0"/>
+          <a:chOff x="0" y="0"/>
+          <a:chExt cx="0" cy="0"/>
+        </a:xfrm>
+      </p:grpSpPr>
+      <p:sp>
+        <p:nvSpPr>
+          <p:cNvPr id="2" name="Slide Image Placeholder 1"/>
+          <p:cNvSpPr>
+            <a:spLocks noGrp="1" noRot="1" noChangeAspect="1"/>
+          </p:cNvSpPr>
+          <p:nvPr>
+            <p:ph type="sldImg"/>
+          </p:nvPr>
+        </p:nvSpPr>
+        <p:spPr/>
+      </p:sp>
+      <p:sp>
+        <p:nvSpPr>
+          <p:cNvPr id="3" name="Notes Placeholder 2"/>
+          <p:cNvSpPr>
+            <a:spLocks noGrp="1"/>
+          </p:cNvSpPr>
+          <p:nvPr>
+            <p:ph type="body" idx="1"/>
+          </p:nvPr>
+        </p:nvSpPr>
+        <p:spPr/>
+        <p:txBody>
+          <a:bodyPr/>
+          <a:lstStyle/>
+          <a:p>
+            <a:endParaRPr lang="en-US" dirty="0"/>
+          </a:p>
+        </p:txBody>
+      </p:sp>
+      <p:sp>
+        <p:nvSpPr>
+          <p:cNvPr id="4" name="Slide Number Placeholder 3"/>
+          <p:cNvSpPr>
+            <a:spLocks noGrp="1"/>
+          </p:cNvSpPr>
+          <p:nvPr>
+            <p:ph type="sldNum" sz="quarter" idx="5"/>
+          </p:nvPr>
+        </p:nvSpPr>
+        <p:spPr/>
+        <p:txBody>
+          <a:bodyPr/>
+          <a:lstStyle/>
+          <a:p>
+            <a:fld id="{F76D2514-A445-4924-B33B-06316436EAFC}" type="slidenum">
+              <a:rPr lang="en-US" smtClean="0"/>
+              <a:t>20</a:t>
+            </a:fld>
+            <a:endParaRPr lang="en-US"/>
+          </a:p>
+        </p:txBody>
+      </p:sp>
+    </p:spTree>
+    <p:extLst>
+      <p:ext uri="{BB962C8B-B14F-4D97-AF65-F5344CB8AC3E}">
         <p14:creationId xmlns:p14="http://schemas.microsoft.com/office/powerpoint/2010/main" val="3934443157"/>
+      </p:ext>
+    </p:extLst>
+  </p:cSld>
+  <p:clrMapOvr>
+    <a:masterClrMapping/>
+  </p:clrMapOvr>
+</p:notes>
+</file>
+
+<file path=ppt/notesSlides/notesSlide4.xml><?xml version="1.0" encoding="utf-8"?>
+<p:notes xmlns:a="http://schemas.openxmlformats.org/drawingml/2006/main" xmlns:r="http://schemas.openxmlformats.org/officeDocument/2006/relationships" xmlns:p="http://schemas.openxmlformats.org/presentationml/2006/main">
+  <p:cSld>
+    <p:spTree>
+      <p:nvGrpSpPr>
+        <p:cNvPr id="1" name=""/>
+        <p:cNvGrpSpPr/>
+        <p:nvPr/>
+      </p:nvGrpSpPr>
+      <p:grpSpPr>
+        <a:xfrm>
+          <a:off x="0" y="0"/>
+          <a:ext cx="0" cy="0"/>
+          <a:chOff x="0" y="0"/>
+          <a:chExt cx="0" cy="0"/>
+        </a:xfrm>
+      </p:grpSpPr>
+      <p:sp>
+        <p:nvSpPr>
+          <p:cNvPr id="2" name="Slide Image Placeholder 1"/>
+          <p:cNvSpPr>
+            <a:spLocks noGrp="1" noRot="1" noChangeAspect="1"/>
+          </p:cNvSpPr>
+          <p:nvPr>
+            <p:ph type="sldImg"/>
+          </p:nvPr>
+        </p:nvSpPr>
+        <p:spPr/>
+      </p:sp>
+      <p:sp>
+        <p:nvSpPr>
+          <p:cNvPr id="3" name="Notes Placeholder 2"/>
+          <p:cNvSpPr>
+            <a:spLocks noGrp="1"/>
+          </p:cNvSpPr>
+          <p:nvPr>
+            <p:ph type="body" idx="1"/>
+          </p:nvPr>
+        </p:nvSpPr>
+        <p:spPr/>
+        <p:txBody>
+          <a:bodyPr/>
+          <a:lstStyle/>
+          <a:p>
+            <a:endParaRPr lang="en-US" dirty="0"/>
+          </a:p>
+        </p:txBody>
+      </p:sp>
+      <p:sp>
+        <p:nvSpPr>
+          <p:cNvPr id="4" name="Slide Number Placeholder 3"/>
+          <p:cNvSpPr>
+            <a:spLocks noGrp="1"/>
+          </p:cNvSpPr>
+          <p:nvPr>
+            <p:ph type="sldNum" sz="quarter" idx="5"/>
+          </p:nvPr>
+        </p:nvSpPr>
+        <p:spPr/>
+        <p:txBody>
+          <a:bodyPr/>
+          <a:lstStyle/>
+          <a:p>
+            <a:fld id="{F76D2514-A445-4924-B33B-06316436EAFC}" type="slidenum">
+              <a:rPr lang="en-US" smtClean="0"/>
+              <a:t>21</a:t>
+            </a:fld>
+            <a:endParaRPr lang="en-US"/>
+          </a:p>
+        </p:txBody>
+      </p:sp>
+    </p:spTree>
+    <p:extLst>
+      <p:ext uri="{BB962C8B-B14F-4D97-AF65-F5344CB8AC3E}">
+        <p14:creationId xmlns:p14="http://schemas.microsoft.com/office/powerpoint/2010/main" val="692489879"/>
+      </p:ext>
+    </p:extLst>
+  </p:cSld>
+  <p:clrMapOvr>
+    <a:masterClrMapping/>
+  </p:clrMapOvr>
+</p:notes>
+</file>
+
+<file path=ppt/notesSlides/notesSlide5.xml><?xml version="1.0" encoding="utf-8"?>
+<p:notes xmlns:a="http://schemas.openxmlformats.org/drawingml/2006/main" xmlns:r="http://schemas.openxmlformats.org/officeDocument/2006/relationships" xmlns:p="http://schemas.openxmlformats.org/presentationml/2006/main">
+  <p:cSld>
+    <p:spTree>
+      <p:nvGrpSpPr>
+        <p:cNvPr id="1" name=""/>
+        <p:cNvGrpSpPr/>
+        <p:nvPr/>
+      </p:nvGrpSpPr>
+      <p:grpSpPr>
+        <a:xfrm>
+          <a:off x="0" y="0"/>
+          <a:ext cx="0" cy="0"/>
+          <a:chOff x="0" y="0"/>
+          <a:chExt cx="0" cy="0"/>
+        </a:xfrm>
+      </p:grpSpPr>
+      <p:sp>
+        <p:nvSpPr>
+          <p:cNvPr id="2" name="Slide Image Placeholder 1"/>
+          <p:cNvSpPr>
+            <a:spLocks noGrp="1" noRot="1" noChangeAspect="1"/>
+          </p:cNvSpPr>
+          <p:nvPr>
+            <p:ph type="sldImg"/>
+          </p:nvPr>
+        </p:nvSpPr>
+        <p:spPr/>
+      </p:sp>
+      <p:sp>
+        <p:nvSpPr>
+          <p:cNvPr id="3" name="Notes Placeholder 2"/>
+          <p:cNvSpPr>
+            <a:spLocks noGrp="1"/>
+          </p:cNvSpPr>
+          <p:nvPr>
+            <p:ph type="body" idx="1"/>
+          </p:nvPr>
+        </p:nvSpPr>
+        <p:spPr/>
+        <p:txBody>
+          <a:bodyPr/>
+          <a:lstStyle/>
+          <a:p>
+            <a:endParaRPr lang="en-US" dirty="0"/>
+          </a:p>
+        </p:txBody>
+      </p:sp>
+      <p:sp>
+        <p:nvSpPr>
+          <p:cNvPr id="4" name="Slide Number Placeholder 3"/>
+          <p:cNvSpPr>
+            <a:spLocks noGrp="1"/>
+          </p:cNvSpPr>
+          <p:nvPr>
+            <p:ph type="sldNum" sz="quarter" idx="5"/>
+          </p:nvPr>
+        </p:nvSpPr>
+        <p:spPr/>
+        <p:txBody>
+          <a:bodyPr/>
+          <a:lstStyle/>
+          <a:p>
+            <a:fld id="{F76D2514-A445-4924-B33B-06316436EAFC}" type="slidenum">
+              <a:rPr lang="en-US" smtClean="0"/>
+              <a:t>28</a:t>
+            </a:fld>
+            <a:endParaRPr lang="en-US"/>
+          </a:p>
+        </p:txBody>
+      </p:sp>
+    </p:spTree>
+    <p:extLst>
+      <p:ext uri="{BB962C8B-B14F-4D97-AF65-F5344CB8AC3E}">
+        <p14:creationId xmlns:p14="http://schemas.microsoft.com/office/powerpoint/2010/main" val="2304103236"/>
+      </p:ext>
+    </p:extLst>
+  </p:cSld>
+  <p:clrMapOvr>
+    <a:masterClrMapping/>
+  </p:clrMapOvr>
+</p:notes>
+</file>
+
+<file path=ppt/notesSlides/notesSlide6.xml><?xml version="1.0" encoding="utf-8"?>
+<p:notes xmlns:a="http://schemas.openxmlformats.org/drawingml/2006/main" xmlns:r="http://schemas.openxmlformats.org/officeDocument/2006/relationships" xmlns:p="http://schemas.openxmlformats.org/presentationml/2006/main">
+  <p:cSld>
+    <p:spTree>
+      <p:nvGrpSpPr>
+        <p:cNvPr id="1" name=""/>
+        <p:cNvGrpSpPr/>
+        <p:nvPr/>
+      </p:nvGrpSpPr>
+      <p:grpSpPr>
+        <a:xfrm>
+          <a:off x="0" y="0"/>
+          <a:ext cx="0" cy="0"/>
+          <a:chOff x="0" y="0"/>
+          <a:chExt cx="0" cy="0"/>
+        </a:xfrm>
+      </p:grpSpPr>
+      <p:sp>
+        <p:nvSpPr>
+          <p:cNvPr id="2" name="Slide Image Placeholder 1"/>
+          <p:cNvSpPr>
+            <a:spLocks noGrp="1" noRot="1" noChangeAspect="1"/>
+          </p:cNvSpPr>
+          <p:nvPr>
+            <p:ph type="sldImg"/>
+          </p:nvPr>
+        </p:nvSpPr>
+        <p:spPr/>
+      </p:sp>
+      <p:sp>
+        <p:nvSpPr>
+          <p:cNvPr id="3" name="Notes Placeholder 2"/>
+          <p:cNvSpPr>
+            <a:spLocks noGrp="1"/>
+          </p:cNvSpPr>
+          <p:nvPr>
+            <p:ph type="body" idx="1"/>
+          </p:nvPr>
+        </p:nvSpPr>
+        <p:spPr/>
+        <p:txBody>
+          <a:bodyPr/>
+          <a:lstStyle/>
+          <a:p>
+            <a:endParaRPr lang="en-US" dirty="0"/>
+          </a:p>
+        </p:txBody>
+      </p:sp>
+      <p:sp>
+        <p:nvSpPr>
+          <p:cNvPr id="4" name="Slide Number Placeholder 3"/>
+          <p:cNvSpPr>
+            <a:spLocks noGrp="1"/>
+          </p:cNvSpPr>
+          <p:nvPr>
+            <p:ph type="sldNum" sz="quarter" idx="5"/>
+          </p:nvPr>
+        </p:nvSpPr>
+        <p:spPr/>
+        <p:txBody>
+          <a:bodyPr/>
+          <a:lstStyle/>
+          <a:p>
+            <a:fld id="{F76D2514-A445-4924-B33B-06316436EAFC}" type="slidenum">
+              <a:rPr lang="en-US" smtClean="0"/>
+              <a:t>29</a:t>
+            </a:fld>
+            <a:endParaRPr lang="en-US"/>
+          </a:p>
+        </p:txBody>
+      </p:sp>
+    </p:spTree>
+    <p:extLst>
+      <p:ext uri="{BB962C8B-B14F-4D97-AF65-F5344CB8AC3E}">
+        <p14:creationId xmlns:p14="http://schemas.microsoft.com/office/powerpoint/2010/main" val="2028214408"/>
       </p:ext>
     </p:extLst>
   </p:cSld>
@@ -810,7 +1242,7 @@
           <a:p>
             <a:fld id="{9184DA70-C731-4C70-880D-CCD4705E623C}" type="datetime1">
               <a:rPr lang="en-US" smtClean="0"/>
-              <a:t>4/15/2020</a:t>
+              <a:t>4/24/2020</a:t>
             </a:fld>
             <a:endParaRPr lang="en-US" dirty="0"/>
           </a:p>
@@ -998,7 +1430,7 @@
           <a:p>
             <a:fld id="{4BE1D723-8F53-4F53-90B0-1982A396982E}" type="datetime1">
               <a:rPr lang="en-US" smtClean="0"/>
-              <a:t>4/15/2020</a:t>
+              <a:t>4/24/2020</a:t>
             </a:fld>
             <a:endParaRPr lang="en-US" dirty="0"/>
           </a:p>
@@ -1371,7 +1803,7 @@
           <a:p>
             <a:fld id="{97669AF7-7BEB-44E4-9852-375E34362B5B}" type="datetime1">
               <a:rPr lang="en-US" smtClean="0"/>
-              <a:t>4/15/2020</a:t>
+              <a:t>4/24/2020</a:t>
             </a:fld>
             <a:endParaRPr lang="en-US" dirty="0"/>
           </a:p>
@@ -1626,7 +2058,7 @@
           <a:p>
             <a:fld id="{BAAAC38D-0552-4C82-B593-E6124DFADBE2}" type="datetime1">
               <a:rPr lang="en-US" smtClean="0"/>
-              <a:t>4/15/2020</a:t>
+              <a:t>4/24/2020</a:t>
             </a:fld>
             <a:endParaRPr lang="en-US" dirty="0"/>
           </a:p>
@@ -2023,7 +2455,7 @@
           <a:p>
             <a:fld id="{D9DF0F1C-5577-4ACB-BB62-DF8F3C494C7E}" type="datetime1">
               <a:rPr lang="en-US" smtClean="0"/>
-              <a:t>4/15/2020</a:t>
+              <a:t>4/24/2020</a:t>
             </a:fld>
             <a:endParaRPr lang="en-US" dirty="0"/>
           </a:p>
@@ -2159,7 +2591,7 @@
           <a:p>
             <a:fld id="{1775B394-D9F9-4F0C-B15D-605F45CB9E9F}" type="datetime1">
               <a:rPr lang="en-US" smtClean="0"/>
-              <a:t>4/15/2020</a:t>
+              <a:t>4/24/2020</a:t>
             </a:fld>
             <a:endParaRPr lang="en-US" dirty="0"/>
           </a:p>
@@ -2316,7 +2748,7 @@
           <a:p>
             <a:fld id="{39667345-2558-425A-8533-9BFDBCE15005}" type="datetime1">
               <a:rPr lang="en-US" smtClean="0"/>
-              <a:t>4/15/2020</a:t>
+              <a:t>4/24/2020</a:t>
             </a:fld>
             <a:endParaRPr lang="en-US" dirty="0"/>
           </a:p>
@@ -2645,7 +3077,7 @@
           <a:p>
             <a:fld id="{92BEA474-078D-4E9B-9B14-09A87B19DC46}" type="datetime1">
               <a:rPr lang="en-US" smtClean="0"/>
-              <a:t>4/15/2020</a:t>
+              <a:t>4/24/2020</a:t>
             </a:fld>
             <a:endParaRPr lang="en-US" dirty="0"/>
           </a:p>
@@ -2995,7 +3427,7 @@
           <a:p>
             <a:fld id="{4907D986-8816-4272-A432-0437A28A9828}" type="datetime1">
               <a:rPr lang="en-US" smtClean="0"/>
-              <a:t>4/15/2020</a:t>
+              <a:t>4/24/2020</a:t>
             </a:fld>
             <a:endParaRPr lang="en-US" dirty="0"/>
           </a:p>
@@ -3256,7 +3688,7 @@
           <a:p>
             <a:fld id="{62D6E202-B606-4609-B914-27C9371A1F6D}" type="datetime1">
               <a:rPr lang="en-US" smtClean="0"/>
-              <a:t>4/15/2020</a:t>
+              <a:t>4/24/2020</a:t>
             </a:fld>
             <a:endParaRPr lang="en-US" dirty="0"/>
           </a:p>
@@ -7048,12 +7480,73 @@
           </a:p>
         </p:txBody>
       </p:sp>
+      <p:sp>
+        <p:nvSpPr>
+          <p:cNvPr id="3" name="TextBox 2">
+            <a:extLst>
+              <a:ext uri="{FF2B5EF4-FFF2-40B4-BE49-F238E27FC236}">
+                <a16:creationId xmlns:a16="http://schemas.microsoft.com/office/drawing/2014/main" id="{7EBD0582-2C70-461C-BC60-83E2FE21E482}"/>
+              </a:ext>
+            </a:extLst>
+          </p:cNvPr>
+          <p:cNvSpPr txBox="1"/>
+          <p:nvPr/>
+        </p:nvSpPr>
+        <p:spPr>
+          <a:xfrm>
+            <a:off x="252662" y="2877832"/>
+            <a:ext cx="3998610" cy="1938992"/>
+          </a:xfrm>
+          <a:prstGeom prst="rect">
+            <a:avLst/>
+          </a:prstGeom>
+          <a:noFill/>
+        </p:spPr>
+        <p:txBody>
+          <a:bodyPr wrap="square" rtlCol="0">
+            <a:spAutoFit/>
+          </a:bodyPr>
+          <a:lstStyle/>
+          <a:p>
+            <a:pPr marL="285750" indent="-285750">
+              <a:buFont typeface="Arial" panose="020B0604020202020204" pitchFamily="34" charset="0"/>
+              <a:buChar char="•"/>
+            </a:pPr>
+            <a:r>
+              <a:rPr lang="en-US" sz="2000" dirty="0"/>
+              <a:t>The output bit ultimately depends on the </a:t>
+            </a:r>
+            <a:r>
+              <a:rPr lang="en-US" sz="2000" b="1" dirty="0">
+                <a:highlight>
+                  <a:srgbClr val="FFFF00"/>
+                </a:highlight>
+              </a:rPr>
+              <a:t>difference</a:t>
+            </a:r>
+            <a:r>
+              <a:rPr lang="en-US" sz="2000" dirty="0"/>
+              <a:t> between the propagation delays along different paths</a:t>
+            </a:r>
+          </a:p>
+          <a:p>
+            <a:pPr marL="742950" lvl="1" indent="-285750">
+              <a:buFont typeface="Arial" panose="020B0604020202020204" pitchFamily="34" charset="0"/>
+              <a:buChar char="•"/>
+            </a:pPr>
+            <a:r>
+              <a:rPr lang="en-US" sz="2000" dirty="0"/>
+              <a:t>The choice of path is determined by the challenge</a:t>
+            </a:r>
+          </a:p>
+        </p:txBody>
+      </p:sp>
       <p:pic>
         <p:nvPicPr>
-          <p:cNvPr id="11" name="Picture 10">
+          <p:cNvPr id="5" name="Picture 4" descr="A screenshot of a cell phone&#10;&#10;Description automatically generated">
             <a:extLst>
               <a:ext uri="{FF2B5EF4-FFF2-40B4-BE49-F238E27FC236}">
-                <a16:creationId xmlns:a16="http://schemas.microsoft.com/office/drawing/2014/main" id="{CDB47BB6-B2F9-4F68-9AA5-5257D8CDC70C}"/>
+                <a16:creationId xmlns:a16="http://schemas.microsoft.com/office/drawing/2014/main" id="{BBF5309B-16EB-4094-83B2-C0066A95DF1E}"/>
               </a:ext>
             </a:extLst>
           </p:cNvPr>
@@ -7070,132 +7563,18 @@
         </p:blipFill>
         <p:spPr>
           <a:xfrm>
-            <a:off x="5784516" y="2676111"/>
-            <a:ext cx="6157494" cy="2636748"/>
+            <a:off x="4251272" y="2190997"/>
+            <a:ext cx="7940728" cy="3558848"/>
           </a:xfrm>
           <a:prstGeom prst="rect">
             <a:avLst/>
           </a:prstGeom>
         </p:spPr>
       </p:pic>
-      <p:sp>
-        <p:nvSpPr>
-          <p:cNvPr id="12" name="TextBox 11">
-            <a:extLst>
-              <a:ext uri="{FF2B5EF4-FFF2-40B4-BE49-F238E27FC236}">
-                <a16:creationId xmlns:a16="http://schemas.microsoft.com/office/drawing/2014/main" id="{E99C32C0-3EBA-4D9D-A3C7-09368A340C25}"/>
-              </a:ext>
-            </a:extLst>
-          </p:cNvPr>
-          <p:cNvSpPr txBox="1"/>
-          <p:nvPr/>
-        </p:nvSpPr>
-        <p:spPr>
-          <a:xfrm>
-            <a:off x="854242" y="2352945"/>
-            <a:ext cx="4930274" cy="3416320"/>
-          </a:xfrm>
-          <a:prstGeom prst="rect">
-            <a:avLst/>
-          </a:prstGeom>
-          <a:noFill/>
-        </p:spPr>
-        <p:txBody>
-          <a:bodyPr wrap="square" rtlCol="0">
-            <a:spAutoFit/>
-          </a:bodyPr>
-          <a:lstStyle/>
-          <a:p>
-            <a:pPr marL="285750" indent="-285750">
-              <a:buFont typeface="Arial" panose="020B0604020202020204" pitchFamily="34" charset="0"/>
-              <a:buChar char="•"/>
-            </a:pPr>
-            <a:r>
-              <a:rPr lang="en-US" dirty="0"/>
-              <a:t>Each Ring-Oscillator is routed differently internally</a:t>
-            </a:r>
-          </a:p>
-          <a:p>
-            <a:pPr marL="742950" lvl="1" indent="-285750">
-              <a:buFont typeface="Arial" panose="020B0604020202020204" pitchFamily="34" charset="0"/>
-              <a:buChar char="•"/>
-            </a:pPr>
-            <a:r>
-              <a:rPr lang="en-US" dirty="0"/>
-              <a:t>Example: RO_0 and RO_128</a:t>
-            </a:r>
-          </a:p>
-          <a:p>
-            <a:pPr marL="742950" lvl="1" indent="-285750">
-              <a:buFont typeface="Arial" panose="020B0604020202020204" pitchFamily="34" charset="0"/>
-              <a:buChar char="•"/>
-            </a:pPr>
-            <a:r>
-              <a:rPr lang="en-US" dirty="0"/>
-              <a:t>RO_0 is in the first mux</a:t>
-            </a:r>
-          </a:p>
-          <a:p>
-            <a:pPr marL="742950" lvl="1" indent="-285750">
-              <a:buFont typeface="Arial" panose="020B0604020202020204" pitchFamily="34" charset="0"/>
-              <a:buChar char="•"/>
-            </a:pPr>
-            <a:r>
-              <a:rPr lang="en-US" dirty="0"/>
-              <a:t>R0_128 is in the second mux</a:t>
-            </a:r>
-          </a:p>
-          <a:p>
-            <a:pPr marL="742950" lvl="1" indent="-285750">
-              <a:buFont typeface="Arial" panose="020B0604020202020204" pitchFamily="34" charset="0"/>
-              <a:buChar char="•"/>
-            </a:pPr>
-            <a:r>
-              <a:rPr lang="en-US" dirty="0"/>
-              <a:t>Routing lengths are different (RO_128 looks shorter)</a:t>
-            </a:r>
-          </a:p>
-          <a:p>
-            <a:pPr marL="742950" lvl="1" indent="-285750">
-              <a:buFont typeface="Arial" panose="020B0604020202020204" pitchFamily="34" charset="0"/>
-              <a:buChar char="•"/>
-            </a:pPr>
-            <a:r>
-              <a:rPr lang="en-US" dirty="0"/>
-              <a:t>If a challenge </a:t>
-            </a:r>
-            <a:r>
-              <a:rPr lang="en-US"/>
-              <a:t>is 0b1000000000000000</a:t>
-            </a:r>
-            <a:endParaRPr lang="en-US" dirty="0"/>
-          </a:p>
-          <a:p>
-            <a:pPr marL="742950" lvl="1" indent="-285750">
-              <a:buFont typeface="Arial" panose="020B0604020202020204" pitchFamily="34" charset="0"/>
-              <a:buChar char="•"/>
-            </a:pPr>
-            <a:r>
-              <a:rPr lang="en-US" dirty="0"/>
-              <a:t>The output would favor second mux in either board</a:t>
-            </a:r>
-          </a:p>
-          <a:p>
-            <a:pPr marL="285750" indent="-285750">
-              <a:buFont typeface="Arial" panose="020B0604020202020204" pitchFamily="34" charset="0"/>
-              <a:buChar char="•"/>
-            </a:pPr>
-            <a:r>
-              <a:rPr lang="en-US" dirty="0"/>
-              <a:t>Need to find a way to place internal routing for all the ROs equally </a:t>
-            </a:r>
-          </a:p>
-        </p:txBody>
-      </p:sp>
     </p:spTree>
     <p:extLst>
       <p:ext uri="{BB962C8B-B14F-4D97-AF65-F5344CB8AC3E}">
-        <p14:creationId xmlns:p14="http://schemas.microsoft.com/office/powerpoint/2010/main" val="2710027084"/>
+        <p14:creationId xmlns:p14="http://schemas.microsoft.com/office/powerpoint/2010/main" val="3315575510"/>
       </p:ext>
     </p:extLst>
   </p:cSld>
@@ -7227,7 +7606,7 @@
           <p:cNvPr id="2" name="Title 1">
             <a:extLst>
               <a:ext uri="{FF2B5EF4-FFF2-40B4-BE49-F238E27FC236}">
-                <a16:creationId xmlns:a16="http://schemas.microsoft.com/office/drawing/2014/main" id="{FD523BDB-94A4-114F-A885-33BA18C83F94}"/>
+                <a16:creationId xmlns:a16="http://schemas.microsoft.com/office/drawing/2014/main" id="{EAB58386-9922-4A3A-944B-3FE30C707EBD}"/>
               </a:ext>
             </a:extLst>
           </p:cNvPr>
@@ -7245,73 +7624,163 @@
           <a:p>
             <a:r>
               <a:rPr lang="en-US" dirty="0"/>
-              <a:t>Conclusion</a:t>
-            </a:r>
-          </a:p>
-        </p:txBody>
-      </p:sp>
-      <p:sp>
-        <p:nvSpPr>
-          <p:cNvPr id="3" name="Content Placeholder 2">
+              <a:t>Problem Encountered</a:t>
+            </a:r>
+          </a:p>
+        </p:txBody>
+      </p:sp>
+      <p:sp>
+        <p:nvSpPr>
+          <p:cNvPr id="3" name="TextBox 2">
             <a:extLst>
               <a:ext uri="{FF2B5EF4-FFF2-40B4-BE49-F238E27FC236}">
-                <a16:creationId xmlns:a16="http://schemas.microsoft.com/office/drawing/2014/main" id="{962BA595-DEF4-A94A-A749-280900A21CC7}"/>
+                <a16:creationId xmlns:a16="http://schemas.microsoft.com/office/drawing/2014/main" id="{7EBD0582-2C70-461C-BC60-83E2FE21E482}"/>
               </a:ext>
             </a:extLst>
           </p:cNvPr>
-          <p:cNvSpPr>
-            <a:spLocks noGrp="1"/>
-          </p:cNvSpPr>
-          <p:nvPr>
-            <p:ph idx="1"/>
-          </p:nvPr>
-        </p:nvSpPr>
-        <p:spPr/>
-        <p:txBody>
-          <a:bodyPr/>
+          <p:cNvSpPr txBox="1"/>
+          <p:nvPr/>
+        </p:nvSpPr>
+        <p:spPr>
+          <a:xfrm>
+            <a:off x="252662" y="2696323"/>
+            <a:ext cx="3998610" cy="3293209"/>
+          </a:xfrm>
+          <a:prstGeom prst="rect">
+            <a:avLst/>
+          </a:prstGeom>
+          <a:noFill/>
+        </p:spPr>
+        <p:txBody>
+          <a:bodyPr wrap="square" rtlCol="0">
+            <a:spAutoFit/>
+          </a:bodyPr>
           <a:lstStyle/>
           <a:p>
-            <a:pPr>
-              <a:buFont typeface="Wingdings" pitchFamily="2" charset="2"/>
-              <a:buChar char="Ø"/>
+            <a:pPr marL="742950" lvl="1" indent="-285750">
+              <a:buFont typeface="Arial" panose="020B0604020202020204" pitchFamily="34" charset="0"/>
+              <a:buChar char="•"/>
             </a:pPr>
             <a:r>
               <a:rPr lang="en-US" dirty="0"/>
-              <a:t> We build a 16-bit Ring Oscillator Physical Unclonable Function with great complexity in both hardware structure and software algorithm, which can be used in hardware security protection in the real world.</a:t>
-            </a:r>
-          </a:p>
-          <a:p>
-            <a:pPr>
-              <a:buFont typeface="Wingdings" pitchFamily="2" charset="2"/>
-              <a:buChar char="Ø"/>
+              <a:t>Delay1: enable signal from the controller to the ROs</a:t>
+            </a:r>
+          </a:p>
+          <a:p>
+            <a:pPr marL="742950" lvl="1" indent="-285750">
+              <a:buFont typeface="Arial" panose="020B0604020202020204" pitchFamily="34" charset="0"/>
+              <a:buChar char="•"/>
             </a:pPr>
             <a:r>
               <a:rPr lang="en-US" dirty="0"/>
-              <a:t> Currently it is highly reliable but not so special for each devices, we are satisfied about our progress and result so far.</a:t>
-            </a:r>
-          </a:p>
-          <a:p>
-            <a:pPr>
-              <a:buFont typeface="Wingdings" pitchFamily="2" charset="2"/>
-              <a:buChar char="Ø"/>
+              <a:t>Delay2: signal traveling through the internal routing of the ROs</a:t>
+            </a:r>
+          </a:p>
+          <a:p>
+            <a:pPr marL="742950" lvl="1" indent="-285750">
+              <a:buFont typeface="Arial" panose="020B0604020202020204" pitchFamily="34" charset="0"/>
+              <a:buChar char="•"/>
             </a:pPr>
             <a:r>
               <a:rPr lang="en-US" dirty="0"/>
-              <a:t> We will still try to find a way to manipulate the structure of the hardware to make it perfectly match, we hope to get some advice from you.</a:t>
-            </a:r>
-          </a:p>
-          <a:p>
-            <a:pPr marL="0" indent="0">
-              <a:buNone/>
+              <a:t>Delay3: RO output to counters</a:t>
+            </a:r>
+          </a:p>
+          <a:p>
+            <a:pPr marL="742950" lvl="1" indent="-285750">
+              <a:buFont typeface="Arial" panose="020B0604020202020204" pitchFamily="34" charset="0"/>
+              <a:buChar char="•"/>
             </a:pPr>
-            <a:endParaRPr lang="en-US" dirty="0"/>
+            <a:r>
+              <a:rPr lang="en-US" dirty="0"/>
+              <a:t>PV: process variation</a:t>
+            </a:r>
+          </a:p>
+          <a:p>
+            <a:pPr marL="285750" indent="-285750">
+              <a:buFont typeface="Arial" panose="020B0604020202020204" pitchFamily="34" charset="0"/>
+              <a:buChar char="•"/>
+            </a:pPr>
+            <a:r>
+              <a:rPr lang="en-US" sz="2000" dirty="0"/>
+              <a:t>Successful ROPUF design should be symmetric enough to keep Delay1, Delay2, and Delay3 the same so that the output only depends on PV</a:t>
+            </a:r>
+          </a:p>
+        </p:txBody>
+      </p:sp>
+      <p:pic>
+        <p:nvPicPr>
+          <p:cNvPr id="5" name="Picture 4" descr="A screenshot of a cell phone&#10;&#10;Description automatically generated">
+            <a:extLst>
+              <a:ext uri="{FF2B5EF4-FFF2-40B4-BE49-F238E27FC236}">
+                <a16:creationId xmlns:a16="http://schemas.microsoft.com/office/drawing/2014/main" id="{BBF5309B-16EB-4094-83B2-C0066A95DF1E}"/>
+              </a:ext>
+            </a:extLst>
+          </p:cNvPr>
+          <p:cNvPicPr>
+            <a:picLocks noChangeAspect="1"/>
+          </p:cNvPicPr>
+          <p:nvPr/>
+        </p:nvPicPr>
+        <p:blipFill>
+          <a:blip r:embed="rId3"/>
+          <a:stretch>
+            <a:fillRect/>
+          </a:stretch>
+        </p:blipFill>
+        <p:spPr>
+          <a:xfrm>
+            <a:off x="4251272" y="2792575"/>
+            <a:ext cx="7940728" cy="3558848"/>
+          </a:xfrm>
+          <a:prstGeom prst="rect">
+            <a:avLst/>
+          </a:prstGeom>
+        </p:spPr>
+      </p:pic>
+      <p:sp>
+        <p:nvSpPr>
+          <p:cNvPr id="4" name="TextBox 3">
+            <a:extLst>
+              <a:ext uri="{FF2B5EF4-FFF2-40B4-BE49-F238E27FC236}">
+                <a16:creationId xmlns:a16="http://schemas.microsoft.com/office/drawing/2014/main" id="{34FCBC5D-6DCF-4887-96D9-9EEBCD58B6A5}"/>
+              </a:ext>
+            </a:extLst>
+          </p:cNvPr>
+          <p:cNvSpPr txBox="1"/>
+          <p:nvPr/>
+        </p:nvSpPr>
+        <p:spPr>
+          <a:xfrm>
+            <a:off x="252662" y="2375117"/>
+            <a:ext cx="5252464" cy="400110"/>
+          </a:xfrm>
+          <a:prstGeom prst="rect">
+            <a:avLst/>
+          </a:prstGeom>
+          <a:noFill/>
+        </p:spPr>
+        <p:txBody>
+          <a:bodyPr wrap="none" rtlCol="0">
+            <a:spAutoFit/>
+          </a:bodyPr>
+          <a:lstStyle/>
+          <a:p>
+            <a:pPr marL="285750" indent="-285750">
+              <a:buFont typeface="Arial" panose="020B0604020202020204" pitchFamily="34" charset="0"/>
+              <a:buChar char="•"/>
+            </a:pPr>
+            <a:r>
+              <a:rPr lang="en-US" sz="2000" dirty="0"/>
+              <a:t>Total delay = Delay1 + Delay2 + Delay3 + PV</a:t>
+            </a:r>
           </a:p>
         </p:txBody>
       </p:sp>
     </p:spTree>
     <p:extLst>
       <p:ext uri="{BB962C8B-B14F-4D97-AF65-F5344CB8AC3E}">
-        <p14:creationId xmlns:p14="http://schemas.microsoft.com/office/powerpoint/2010/main" val="2074797362"/>
+        <p14:creationId xmlns:p14="http://schemas.microsoft.com/office/powerpoint/2010/main" val="1437290619"/>
       </p:ext>
     </p:extLst>
   </p:cSld>
@@ -7438,12 +7907,3974 @@
               <a:t>Problem Encountered</a:t>
             </a:r>
           </a:p>
+          <a:p>
+            <a:pPr lvl="1">
+              <a:buFont typeface="Arial" panose="020B0604020202020204" pitchFamily="34" charset="0"/>
+              <a:buChar char="•"/>
+            </a:pPr>
+            <a:r>
+              <a:rPr lang="en-US" sz="2800" dirty="0"/>
+              <a:t>Potential Solution and New Results</a:t>
+            </a:r>
+          </a:p>
+          <a:p>
+            <a:pPr lvl="1">
+              <a:buFont typeface="Arial" panose="020B0604020202020204" pitchFamily="34" charset="0"/>
+              <a:buChar char="•"/>
+            </a:pPr>
+            <a:r>
+              <a:rPr lang="en-US" sz="2800" dirty="0"/>
+              <a:t>Conclusion</a:t>
+            </a:r>
+          </a:p>
         </p:txBody>
       </p:sp>
     </p:spTree>
     <p:extLst>
       <p:ext uri="{BB962C8B-B14F-4D97-AF65-F5344CB8AC3E}">
         <p14:creationId xmlns:p14="http://schemas.microsoft.com/office/powerpoint/2010/main" val="3170931113"/>
+      </p:ext>
+    </p:extLst>
+  </p:cSld>
+  <p:clrMapOvr>
+    <a:masterClrMapping/>
+  </p:clrMapOvr>
+</p:sld>
+</file>
+
+<file path=ppt/slides/slide20.xml><?xml version="1.0" encoding="utf-8"?>
+<p:sld xmlns:a="http://schemas.openxmlformats.org/drawingml/2006/main" xmlns:r="http://schemas.openxmlformats.org/officeDocument/2006/relationships" xmlns:p="http://schemas.openxmlformats.org/presentationml/2006/main">
+  <p:cSld>
+    <p:spTree>
+      <p:nvGrpSpPr>
+        <p:cNvPr id="1" name=""/>
+        <p:cNvGrpSpPr/>
+        <p:nvPr/>
+      </p:nvGrpSpPr>
+      <p:grpSpPr>
+        <a:xfrm>
+          <a:off x="0" y="0"/>
+          <a:ext cx="0" cy="0"/>
+          <a:chOff x="0" y="0"/>
+          <a:chExt cx="0" cy="0"/>
+        </a:xfrm>
+      </p:grpSpPr>
+      <p:sp>
+        <p:nvSpPr>
+          <p:cNvPr id="2" name="Title 1">
+            <a:extLst>
+              <a:ext uri="{FF2B5EF4-FFF2-40B4-BE49-F238E27FC236}">
+                <a16:creationId xmlns:a16="http://schemas.microsoft.com/office/drawing/2014/main" id="{EAB58386-9922-4A3A-944B-3FE30C707EBD}"/>
+              </a:ext>
+            </a:extLst>
+          </p:cNvPr>
+          <p:cNvSpPr>
+            <a:spLocks noGrp="1"/>
+          </p:cNvSpPr>
+          <p:nvPr>
+            <p:ph type="title"/>
+          </p:nvPr>
+        </p:nvSpPr>
+        <p:spPr/>
+        <p:txBody>
+          <a:bodyPr/>
+          <a:lstStyle/>
+          <a:p>
+            <a:r>
+              <a:rPr lang="en-US" dirty="0"/>
+              <a:t>Problem Encountered</a:t>
+            </a:r>
+          </a:p>
+        </p:txBody>
+      </p:sp>
+      <p:pic>
+        <p:nvPicPr>
+          <p:cNvPr id="11" name="Picture 10">
+            <a:extLst>
+              <a:ext uri="{FF2B5EF4-FFF2-40B4-BE49-F238E27FC236}">
+                <a16:creationId xmlns:a16="http://schemas.microsoft.com/office/drawing/2014/main" id="{CDB47BB6-B2F9-4F68-9AA5-5257D8CDC70C}"/>
+              </a:ext>
+            </a:extLst>
+          </p:cNvPr>
+          <p:cNvPicPr>
+            <a:picLocks noChangeAspect="1"/>
+          </p:cNvPicPr>
+          <p:nvPr/>
+        </p:nvPicPr>
+        <p:blipFill>
+          <a:blip r:embed="rId3"/>
+          <a:stretch>
+            <a:fillRect/>
+          </a:stretch>
+        </p:blipFill>
+        <p:spPr>
+          <a:xfrm>
+            <a:off x="5904832" y="2604231"/>
+            <a:ext cx="6157494" cy="2636748"/>
+          </a:xfrm>
+          <a:prstGeom prst="rect">
+            <a:avLst/>
+          </a:prstGeom>
+        </p:spPr>
+      </p:pic>
+      <p:sp>
+        <p:nvSpPr>
+          <p:cNvPr id="12" name="TextBox 11">
+            <a:extLst>
+              <a:ext uri="{FF2B5EF4-FFF2-40B4-BE49-F238E27FC236}">
+                <a16:creationId xmlns:a16="http://schemas.microsoft.com/office/drawing/2014/main" id="{E99C32C0-3EBA-4D9D-A3C7-09368A340C25}"/>
+              </a:ext>
+            </a:extLst>
+          </p:cNvPr>
+          <p:cNvSpPr txBox="1"/>
+          <p:nvPr/>
+        </p:nvSpPr>
+        <p:spPr>
+          <a:xfrm>
+            <a:off x="782053" y="2185906"/>
+            <a:ext cx="5122779" cy="3785652"/>
+          </a:xfrm>
+          <a:prstGeom prst="rect">
+            <a:avLst/>
+          </a:prstGeom>
+          <a:noFill/>
+        </p:spPr>
+        <p:txBody>
+          <a:bodyPr wrap="square" rtlCol="0">
+            <a:spAutoFit/>
+          </a:bodyPr>
+          <a:lstStyle/>
+          <a:p>
+            <a:pPr marL="285750" indent="-285750">
+              <a:buFont typeface="Arial" panose="020B0604020202020204" pitchFamily="34" charset="0"/>
+              <a:buChar char="•"/>
+            </a:pPr>
+            <a:r>
+              <a:rPr lang="en-US" sz="2400" dirty="0"/>
+              <a:t>The internal routing of each Ring-Oscillator is different when using automatic place and route</a:t>
+            </a:r>
+          </a:p>
+          <a:p>
+            <a:pPr marL="742950" lvl="1" indent="-285750">
+              <a:buFont typeface="Arial" panose="020B0604020202020204" pitchFamily="34" charset="0"/>
+              <a:buChar char="•"/>
+            </a:pPr>
+            <a:r>
+              <a:rPr lang="en-US" sz="2400" dirty="0"/>
+              <a:t>If a challenge is 0b10000000 00000000</a:t>
+            </a:r>
+          </a:p>
+          <a:p>
+            <a:pPr marL="742950" lvl="1" indent="-285750">
+              <a:buFont typeface="Arial" panose="020B0604020202020204" pitchFamily="34" charset="0"/>
+              <a:buChar char="•"/>
+            </a:pPr>
+            <a:r>
+              <a:rPr lang="en-US" sz="2400" dirty="0"/>
+              <a:t>Mux1 selects RO_128, Mux0 selects RO_0</a:t>
+            </a:r>
+          </a:p>
+          <a:p>
+            <a:pPr marL="742950" lvl="1" indent="-285750">
+              <a:buFont typeface="Arial" panose="020B0604020202020204" pitchFamily="34" charset="0"/>
+              <a:buChar char="•"/>
+            </a:pPr>
+            <a:r>
+              <a:rPr lang="en-US" sz="2400" dirty="0"/>
+              <a:t>Internal routing lengths are different, making Delay2 different</a:t>
+            </a:r>
+          </a:p>
+        </p:txBody>
+      </p:sp>
+    </p:spTree>
+    <p:extLst>
+      <p:ext uri="{BB962C8B-B14F-4D97-AF65-F5344CB8AC3E}">
+        <p14:creationId xmlns:p14="http://schemas.microsoft.com/office/powerpoint/2010/main" val="2710027084"/>
+      </p:ext>
+    </p:extLst>
+  </p:cSld>
+  <p:clrMapOvr>
+    <a:masterClrMapping/>
+  </p:clrMapOvr>
+</p:sld>
+</file>
+
+<file path=ppt/slides/slide21.xml><?xml version="1.0" encoding="utf-8"?>
+<p:sld xmlns:a="http://schemas.openxmlformats.org/drawingml/2006/main" xmlns:r="http://schemas.openxmlformats.org/officeDocument/2006/relationships" xmlns:p="http://schemas.openxmlformats.org/presentationml/2006/main">
+  <p:cSld>
+    <p:spTree>
+      <p:nvGrpSpPr>
+        <p:cNvPr id="1" name=""/>
+        <p:cNvGrpSpPr/>
+        <p:nvPr/>
+      </p:nvGrpSpPr>
+      <p:grpSpPr>
+        <a:xfrm>
+          <a:off x="0" y="0"/>
+          <a:ext cx="0" cy="0"/>
+          <a:chOff x="0" y="0"/>
+          <a:chExt cx="0" cy="0"/>
+        </a:xfrm>
+      </p:grpSpPr>
+      <p:sp>
+        <p:nvSpPr>
+          <p:cNvPr id="2" name="Title 1">
+            <a:extLst>
+              <a:ext uri="{FF2B5EF4-FFF2-40B4-BE49-F238E27FC236}">
+                <a16:creationId xmlns:a16="http://schemas.microsoft.com/office/drawing/2014/main" id="{EAB58386-9922-4A3A-944B-3FE30C707EBD}"/>
+              </a:ext>
+            </a:extLst>
+          </p:cNvPr>
+          <p:cNvSpPr>
+            <a:spLocks noGrp="1"/>
+          </p:cNvSpPr>
+          <p:nvPr>
+            <p:ph type="title"/>
+          </p:nvPr>
+        </p:nvSpPr>
+        <p:spPr/>
+        <p:txBody>
+          <a:bodyPr/>
+          <a:lstStyle/>
+          <a:p>
+            <a:r>
+              <a:rPr lang="en-US" dirty="0"/>
+              <a:t>Problem Encountered</a:t>
+            </a:r>
+          </a:p>
+        </p:txBody>
+      </p:sp>
+      <p:graphicFrame>
+        <p:nvGraphicFramePr>
+          <p:cNvPr id="3" name="Table 3">
+            <a:extLst>
+              <a:ext uri="{FF2B5EF4-FFF2-40B4-BE49-F238E27FC236}">
+                <a16:creationId xmlns:a16="http://schemas.microsoft.com/office/drawing/2014/main" id="{A0B476F1-1572-4814-9DDD-398338ACABDB}"/>
+              </a:ext>
+            </a:extLst>
+          </p:cNvPr>
+          <p:cNvGraphicFramePr>
+            <a:graphicFrameLocks noGrp="1"/>
+          </p:cNvGraphicFramePr>
+          <p:nvPr>
+            <p:extLst>
+              <p:ext uri="{D42A27DB-BD31-4B8C-83A1-F6EECF244321}">
+                <p14:modId xmlns:p14="http://schemas.microsoft.com/office/powerpoint/2010/main" val="1074481253"/>
+              </p:ext>
+            </p:extLst>
+          </p:nvPr>
+        </p:nvGraphicFramePr>
+        <p:xfrm>
+          <a:off x="6356685" y="1938415"/>
+          <a:ext cx="5421966" cy="2225040"/>
+        </p:xfrm>
+        <a:graphic>
+          <a:graphicData uri="http://schemas.openxmlformats.org/drawingml/2006/table">
+            <a:tbl>
+              <a:tblPr firstRow="1" bandRow="1">
+                <a:tableStyleId>{5C22544A-7EE6-4342-B048-85BDC9FD1C3A}</a:tableStyleId>
+              </a:tblPr>
+              <a:tblGrid>
+                <a:gridCol w="1807322">
+                  <a:extLst>
+                    <a:ext uri="{9D8B030D-6E8A-4147-A177-3AD203B41FA5}">
+                      <a16:colId xmlns:a16="http://schemas.microsoft.com/office/drawing/2014/main" val="345322743"/>
+                    </a:ext>
+                  </a:extLst>
+                </a:gridCol>
+                <a:gridCol w="1807322">
+                  <a:extLst>
+                    <a:ext uri="{9D8B030D-6E8A-4147-A177-3AD203B41FA5}">
+                      <a16:colId xmlns:a16="http://schemas.microsoft.com/office/drawing/2014/main" val="3413512532"/>
+                    </a:ext>
+                  </a:extLst>
+                </a:gridCol>
+                <a:gridCol w="1807322">
+                  <a:extLst>
+                    <a:ext uri="{9D8B030D-6E8A-4147-A177-3AD203B41FA5}">
+                      <a16:colId xmlns:a16="http://schemas.microsoft.com/office/drawing/2014/main" val="3322585756"/>
+                    </a:ext>
+                  </a:extLst>
+                </a:gridCol>
+              </a:tblGrid>
+              <a:tr h="370840">
+                <a:tc>
+                  <a:txBody>
+                    <a:bodyPr/>
+                    <a:lstStyle/>
+                    <a:p>
+                      <a:r>
+                        <a:rPr lang="en-US" dirty="0"/>
+                        <a:t>Delay Type</a:t>
+                      </a:r>
+                    </a:p>
+                  </a:txBody>
+                  <a:tcPr/>
+                </a:tc>
+                <a:tc>
+                  <a:txBody>
+                    <a:bodyPr/>
+                    <a:lstStyle/>
+                    <a:p>
+                      <a:r>
+                        <a:rPr lang="en-US" dirty="0"/>
+                        <a:t>RO_0 Path</a:t>
+                      </a:r>
+                    </a:p>
+                  </a:txBody>
+                  <a:tcPr/>
+                </a:tc>
+                <a:tc>
+                  <a:txBody>
+                    <a:bodyPr/>
+                    <a:lstStyle/>
+                    <a:p>
+                      <a:r>
+                        <a:rPr lang="en-US" dirty="0"/>
+                        <a:t>RO_128 Path</a:t>
+                      </a:r>
+                    </a:p>
+                  </a:txBody>
+                  <a:tcPr/>
+                </a:tc>
+                <a:extLst>
+                  <a:ext uri="{0D108BD9-81ED-4DB2-BD59-A6C34878D82A}">
+                    <a16:rowId xmlns:a16="http://schemas.microsoft.com/office/drawing/2014/main" val="655592209"/>
+                  </a:ext>
+                </a:extLst>
+              </a:tr>
+              <a:tr h="370840">
+                <a:tc>
+                  <a:txBody>
+                    <a:bodyPr/>
+                    <a:lstStyle/>
+                    <a:p>
+                      <a:r>
+                        <a:rPr lang="en-US" dirty="0"/>
+                        <a:t>Delay1</a:t>
+                      </a:r>
+                    </a:p>
+                  </a:txBody>
+                  <a:tcPr/>
+                </a:tc>
+                <a:tc>
+                  <a:txBody>
+                    <a:bodyPr/>
+                    <a:lstStyle/>
+                    <a:p>
+                      <a:r>
+                        <a:rPr lang="en-US" dirty="0"/>
+                        <a:t>2</a:t>
+                      </a:r>
+                    </a:p>
+                  </a:txBody>
+                  <a:tcPr/>
+                </a:tc>
+                <a:tc>
+                  <a:txBody>
+                    <a:bodyPr/>
+                    <a:lstStyle/>
+                    <a:p>
+                      <a:r>
+                        <a:rPr lang="en-US" dirty="0"/>
+                        <a:t>5</a:t>
+                      </a:r>
+                    </a:p>
+                  </a:txBody>
+                  <a:tcPr/>
+                </a:tc>
+                <a:extLst>
+                  <a:ext uri="{0D108BD9-81ED-4DB2-BD59-A6C34878D82A}">
+                    <a16:rowId xmlns:a16="http://schemas.microsoft.com/office/drawing/2014/main" val="33254110"/>
+                  </a:ext>
+                </a:extLst>
+              </a:tr>
+              <a:tr h="370840">
+                <a:tc>
+                  <a:txBody>
+                    <a:bodyPr/>
+                    <a:lstStyle/>
+                    <a:p>
+                      <a:r>
+                        <a:rPr lang="en-US" dirty="0"/>
+                        <a:t>Delay2</a:t>
+                      </a:r>
+                    </a:p>
+                  </a:txBody>
+                  <a:tcPr/>
+                </a:tc>
+                <a:tc>
+                  <a:txBody>
+                    <a:bodyPr/>
+                    <a:lstStyle/>
+                    <a:p>
+                      <a:r>
+                        <a:rPr lang="en-US" dirty="0"/>
+                        <a:t>25</a:t>
+                      </a:r>
+                    </a:p>
+                  </a:txBody>
+                  <a:tcPr/>
+                </a:tc>
+                <a:tc>
+                  <a:txBody>
+                    <a:bodyPr/>
+                    <a:lstStyle/>
+                    <a:p>
+                      <a:r>
+                        <a:rPr lang="en-US" dirty="0"/>
+                        <a:t>15</a:t>
+                      </a:r>
+                    </a:p>
+                  </a:txBody>
+                  <a:tcPr/>
+                </a:tc>
+                <a:extLst>
+                  <a:ext uri="{0D108BD9-81ED-4DB2-BD59-A6C34878D82A}">
+                    <a16:rowId xmlns:a16="http://schemas.microsoft.com/office/drawing/2014/main" val="1887423555"/>
+                  </a:ext>
+                </a:extLst>
+              </a:tr>
+              <a:tr h="370840">
+                <a:tc>
+                  <a:txBody>
+                    <a:bodyPr/>
+                    <a:lstStyle/>
+                    <a:p>
+                      <a:r>
+                        <a:rPr lang="en-US" dirty="0"/>
+                        <a:t>Delay3</a:t>
+                      </a:r>
+                    </a:p>
+                  </a:txBody>
+                  <a:tcPr/>
+                </a:tc>
+                <a:tc>
+                  <a:txBody>
+                    <a:bodyPr/>
+                    <a:lstStyle/>
+                    <a:p>
+                      <a:r>
+                        <a:rPr lang="en-US" dirty="0"/>
+                        <a:t>5</a:t>
+                      </a:r>
+                    </a:p>
+                  </a:txBody>
+                  <a:tcPr/>
+                </a:tc>
+                <a:tc>
+                  <a:txBody>
+                    <a:bodyPr/>
+                    <a:lstStyle/>
+                    <a:p>
+                      <a:r>
+                        <a:rPr lang="en-US" dirty="0"/>
+                        <a:t>1</a:t>
+                      </a:r>
+                    </a:p>
+                  </a:txBody>
+                  <a:tcPr/>
+                </a:tc>
+                <a:extLst>
+                  <a:ext uri="{0D108BD9-81ED-4DB2-BD59-A6C34878D82A}">
+                    <a16:rowId xmlns:a16="http://schemas.microsoft.com/office/drawing/2014/main" val="2570995142"/>
+                  </a:ext>
+                </a:extLst>
+              </a:tr>
+              <a:tr h="370840">
+                <a:tc>
+                  <a:txBody>
+                    <a:bodyPr/>
+                    <a:lstStyle/>
+                    <a:p>
+                      <a:r>
+                        <a:rPr lang="en-US" dirty="0"/>
+                        <a:t>PV</a:t>
+                      </a:r>
+                    </a:p>
+                  </a:txBody>
+                  <a:tcPr/>
+                </a:tc>
+                <a:tc>
+                  <a:txBody>
+                    <a:bodyPr/>
+                    <a:lstStyle/>
+                    <a:p>
+                      <a:r>
+                        <a:rPr lang="en-US" dirty="0"/>
+                        <a:t>4</a:t>
+                      </a:r>
+                    </a:p>
+                  </a:txBody>
+                  <a:tcPr/>
+                </a:tc>
+                <a:tc>
+                  <a:txBody>
+                    <a:bodyPr/>
+                    <a:lstStyle/>
+                    <a:p>
+                      <a:r>
+                        <a:rPr lang="en-US" dirty="0"/>
+                        <a:t>3</a:t>
+                      </a:r>
+                    </a:p>
+                  </a:txBody>
+                  <a:tcPr/>
+                </a:tc>
+                <a:extLst>
+                  <a:ext uri="{0D108BD9-81ED-4DB2-BD59-A6C34878D82A}">
+                    <a16:rowId xmlns:a16="http://schemas.microsoft.com/office/drawing/2014/main" val="8716104"/>
+                  </a:ext>
+                </a:extLst>
+              </a:tr>
+              <a:tr h="370840">
+                <a:tc>
+                  <a:txBody>
+                    <a:bodyPr/>
+                    <a:lstStyle/>
+                    <a:p>
+                      <a:r>
+                        <a:rPr lang="en-US" dirty="0"/>
+                        <a:t>Total Delay</a:t>
+                      </a:r>
+                    </a:p>
+                  </a:txBody>
+                  <a:tcPr/>
+                </a:tc>
+                <a:tc>
+                  <a:txBody>
+                    <a:bodyPr/>
+                    <a:lstStyle/>
+                    <a:p>
+                      <a:r>
+                        <a:rPr lang="en-US" dirty="0"/>
+                        <a:t>36</a:t>
+                      </a:r>
+                    </a:p>
+                  </a:txBody>
+                  <a:tcPr/>
+                </a:tc>
+                <a:tc>
+                  <a:txBody>
+                    <a:bodyPr/>
+                    <a:lstStyle/>
+                    <a:p>
+                      <a:r>
+                        <a:rPr lang="en-US" dirty="0">
+                          <a:highlight>
+                            <a:srgbClr val="FFFF00"/>
+                          </a:highlight>
+                        </a:rPr>
+                        <a:t>24</a:t>
+                      </a:r>
+                    </a:p>
+                  </a:txBody>
+                  <a:tcPr/>
+                </a:tc>
+                <a:extLst>
+                  <a:ext uri="{0D108BD9-81ED-4DB2-BD59-A6C34878D82A}">
+                    <a16:rowId xmlns:a16="http://schemas.microsoft.com/office/drawing/2014/main" val="4018068355"/>
+                  </a:ext>
+                </a:extLst>
+              </a:tr>
+            </a:tbl>
+          </a:graphicData>
+        </a:graphic>
+      </p:graphicFrame>
+      <p:sp>
+        <p:nvSpPr>
+          <p:cNvPr id="5" name="Rectangle 4">
+            <a:extLst>
+              <a:ext uri="{FF2B5EF4-FFF2-40B4-BE49-F238E27FC236}">
+                <a16:creationId xmlns:a16="http://schemas.microsoft.com/office/drawing/2014/main" id="{F4B89178-C430-4B74-8C3B-FF4C8698B7FE}"/>
+              </a:ext>
+            </a:extLst>
+          </p:cNvPr>
+          <p:cNvSpPr/>
+          <p:nvPr/>
+        </p:nvSpPr>
+        <p:spPr>
+          <a:xfrm>
+            <a:off x="6186571" y="3362546"/>
+            <a:ext cx="5762191" cy="445168"/>
+          </a:xfrm>
+          <a:prstGeom prst="rect">
+            <a:avLst/>
+          </a:prstGeom>
+          <a:noFill/>
+          <a:ln w="57150">
+            <a:solidFill>
+              <a:srgbClr val="FF0000"/>
+            </a:solidFill>
+          </a:ln>
+        </p:spPr>
+        <p:style>
+          <a:lnRef idx="2">
+            <a:schemeClr val="accent1">
+              <a:shade val="50000"/>
+            </a:schemeClr>
+          </a:lnRef>
+          <a:fillRef idx="1">
+            <a:schemeClr val="accent1"/>
+          </a:fillRef>
+          <a:effectRef idx="0">
+            <a:schemeClr val="accent1"/>
+          </a:effectRef>
+          <a:fontRef idx="minor">
+            <a:schemeClr val="lt1"/>
+          </a:fontRef>
+        </p:style>
+        <p:txBody>
+          <a:bodyPr rtlCol="0" anchor="ctr"/>
+          <a:lstStyle/>
+          <a:p>
+            <a:pPr algn="ctr"/>
+            <a:endParaRPr lang="en-US"/>
+          </a:p>
+        </p:txBody>
+      </p:sp>
+      <p:sp>
+        <p:nvSpPr>
+          <p:cNvPr id="6" name="TextBox 5">
+            <a:extLst>
+              <a:ext uri="{FF2B5EF4-FFF2-40B4-BE49-F238E27FC236}">
+                <a16:creationId xmlns:a16="http://schemas.microsoft.com/office/drawing/2014/main" id="{FEEE1DEF-1523-4CA3-AEC1-CB40896CE066}"/>
+              </a:ext>
+            </a:extLst>
+          </p:cNvPr>
+          <p:cNvSpPr txBox="1"/>
+          <p:nvPr/>
+        </p:nvSpPr>
+        <p:spPr>
+          <a:xfrm>
+            <a:off x="286386" y="2173772"/>
+            <a:ext cx="4644189" cy="4431983"/>
+          </a:xfrm>
+          <a:prstGeom prst="rect">
+            <a:avLst/>
+          </a:prstGeom>
+          <a:noFill/>
+        </p:spPr>
+        <p:txBody>
+          <a:bodyPr wrap="square" rtlCol="0">
+            <a:spAutoFit/>
+          </a:bodyPr>
+          <a:lstStyle/>
+          <a:p>
+            <a:pPr marL="285750" indent="-285750">
+              <a:buFont typeface="Arial" panose="020B0604020202020204" pitchFamily="34" charset="0"/>
+              <a:buChar char="•"/>
+            </a:pPr>
+            <a:r>
+              <a:rPr lang="en-US" sz="2200" dirty="0"/>
+              <a:t>Internal Routing (Delay2) is a major source of delay because we have many NOT gates </a:t>
+            </a:r>
+            <a:r>
+              <a:rPr lang="en-US" altLang="zh-CN" sz="2200" dirty="0"/>
+              <a:t>in each RO</a:t>
+            </a:r>
+            <a:endParaRPr lang="en-US" sz="2200" dirty="0"/>
+          </a:p>
+          <a:p>
+            <a:pPr marL="285750" indent="-285750">
+              <a:buFont typeface="Arial" panose="020B0604020202020204" pitchFamily="34" charset="0"/>
+              <a:buChar char="•"/>
+            </a:pPr>
+            <a:r>
+              <a:rPr lang="en-US" sz="2200" dirty="0"/>
+              <a:t>Ideal cases, when putting design on different boards, only PV should change</a:t>
+            </a:r>
+          </a:p>
+          <a:p>
+            <a:pPr marL="285750" indent="-285750">
+              <a:buFont typeface="Arial" panose="020B0604020202020204" pitchFamily="34" charset="0"/>
+              <a:buChar char="•"/>
+            </a:pPr>
+            <a:r>
+              <a:rPr lang="en-US" sz="2200" dirty="0"/>
+              <a:t>The difference between Delay2’s along different paths makes the PV insignificant</a:t>
+            </a:r>
+          </a:p>
+          <a:p>
+            <a:pPr marL="285750" indent="-285750">
+              <a:buFont typeface="Arial" panose="020B0604020202020204" pitchFamily="34" charset="0"/>
+              <a:buChar char="•"/>
+            </a:pPr>
+            <a:r>
+              <a:rPr lang="en-US" sz="2200" dirty="0"/>
+              <a:t>No matter which board you run the design on, the output will favor RO_128 in this case</a:t>
+            </a:r>
+          </a:p>
+          <a:p>
+            <a:pPr marL="285750" indent="-285750">
+              <a:buFont typeface="Arial" panose="020B0604020202020204" pitchFamily="34" charset="0"/>
+              <a:buChar char="•"/>
+            </a:pPr>
+            <a:endParaRPr lang="en-US" dirty="0"/>
+          </a:p>
+        </p:txBody>
+      </p:sp>
+      <p:graphicFrame>
+        <p:nvGraphicFramePr>
+          <p:cNvPr id="9" name="Table 3">
+            <a:extLst>
+              <a:ext uri="{FF2B5EF4-FFF2-40B4-BE49-F238E27FC236}">
+                <a16:creationId xmlns:a16="http://schemas.microsoft.com/office/drawing/2014/main" id="{0854DC08-1E4A-4454-B61C-5270F4110233}"/>
+              </a:ext>
+            </a:extLst>
+          </p:cNvPr>
+          <p:cNvGraphicFramePr>
+            <a:graphicFrameLocks noGrp="1"/>
+          </p:cNvGraphicFramePr>
+          <p:nvPr>
+            <p:extLst>
+              <p:ext uri="{D42A27DB-BD31-4B8C-83A1-F6EECF244321}">
+                <p14:modId xmlns:p14="http://schemas.microsoft.com/office/powerpoint/2010/main" val="130786568"/>
+              </p:ext>
+            </p:extLst>
+          </p:nvPr>
+        </p:nvGraphicFramePr>
+        <p:xfrm>
+          <a:off x="6356685" y="4364510"/>
+          <a:ext cx="5421966" cy="2225040"/>
+        </p:xfrm>
+        <a:graphic>
+          <a:graphicData uri="http://schemas.openxmlformats.org/drawingml/2006/table">
+            <a:tbl>
+              <a:tblPr firstRow="1" bandRow="1">
+                <a:tableStyleId>{5C22544A-7EE6-4342-B048-85BDC9FD1C3A}</a:tableStyleId>
+              </a:tblPr>
+              <a:tblGrid>
+                <a:gridCol w="1807322">
+                  <a:extLst>
+                    <a:ext uri="{9D8B030D-6E8A-4147-A177-3AD203B41FA5}">
+                      <a16:colId xmlns:a16="http://schemas.microsoft.com/office/drawing/2014/main" val="345322743"/>
+                    </a:ext>
+                  </a:extLst>
+                </a:gridCol>
+                <a:gridCol w="1807322">
+                  <a:extLst>
+                    <a:ext uri="{9D8B030D-6E8A-4147-A177-3AD203B41FA5}">
+                      <a16:colId xmlns:a16="http://schemas.microsoft.com/office/drawing/2014/main" val="3413512532"/>
+                    </a:ext>
+                  </a:extLst>
+                </a:gridCol>
+                <a:gridCol w="1807322">
+                  <a:extLst>
+                    <a:ext uri="{9D8B030D-6E8A-4147-A177-3AD203B41FA5}">
+                      <a16:colId xmlns:a16="http://schemas.microsoft.com/office/drawing/2014/main" val="3322585756"/>
+                    </a:ext>
+                  </a:extLst>
+                </a:gridCol>
+              </a:tblGrid>
+              <a:tr h="370840">
+                <a:tc>
+                  <a:txBody>
+                    <a:bodyPr/>
+                    <a:lstStyle/>
+                    <a:p>
+                      <a:r>
+                        <a:rPr lang="en-US" dirty="0"/>
+                        <a:t>Delay Type</a:t>
+                      </a:r>
+                    </a:p>
+                  </a:txBody>
+                  <a:tcPr/>
+                </a:tc>
+                <a:tc>
+                  <a:txBody>
+                    <a:bodyPr/>
+                    <a:lstStyle/>
+                    <a:p>
+                      <a:r>
+                        <a:rPr lang="en-US" dirty="0"/>
+                        <a:t>RO_0 Path</a:t>
+                      </a:r>
+                    </a:p>
+                  </a:txBody>
+                  <a:tcPr/>
+                </a:tc>
+                <a:tc>
+                  <a:txBody>
+                    <a:bodyPr/>
+                    <a:lstStyle/>
+                    <a:p>
+                      <a:r>
+                        <a:rPr lang="en-US" dirty="0"/>
+                        <a:t>RO_128 Path</a:t>
+                      </a:r>
+                    </a:p>
+                  </a:txBody>
+                  <a:tcPr/>
+                </a:tc>
+                <a:extLst>
+                  <a:ext uri="{0D108BD9-81ED-4DB2-BD59-A6C34878D82A}">
+                    <a16:rowId xmlns:a16="http://schemas.microsoft.com/office/drawing/2014/main" val="655592209"/>
+                  </a:ext>
+                </a:extLst>
+              </a:tr>
+              <a:tr h="370840">
+                <a:tc>
+                  <a:txBody>
+                    <a:bodyPr/>
+                    <a:lstStyle/>
+                    <a:p>
+                      <a:r>
+                        <a:rPr lang="en-US" dirty="0"/>
+                        <a:t>Delay1</a:t>
+                      </a:r>
+                    </a:p>
+                  </a:txBody>
+                  <a:tcPr/>
+                </a:tc>
+                <a:tc>
+                  <a:txBody>
+                    <a:bodyPr/>
+                    <a:lstStyle/>
+                    <a:p>
+                      <a:r>
+                        <a:rPr lang="en-US" dirty="0"/>
+                        <a:t>2</a:t>
+                      </a:r>
+                    </a:p>
+                  </a:txBody>
+                  <a:tcPr/>
+                </a:tc>
+                <a:tc>
+                  <a:txBody>
+                    <a:bodyPr/>
+                    <a:lstStyle/>
+                    <a:p>
+                      <a:r>
+                        <a:rPr lang="en-US" dirty="0"/>
+                        <a:t>5</a:t>
+                      </a:r>
+                    </a:p>
+                  </a:txBody>
+                  <a:tcPr/>
+                </a:tc>
+                <a:extLst>
+                  <a:ext uri="{0D108BD9-81ED-4DB2-BD59-A6C34878D82A}">
+                    <a16:rowId xmlns:a16="http://schemas.microsoft.com/office/drawing/2014/main" val="33254110"/>
+                  </a:ext>
+                </a:extLst>
+              </a:tr>
+              <a:tr h="370840">
+                <a:tc>
+                  <a:txBody>
+                    <a:bodyPr/>
+                    <a:lstStyle/>
+                    <a:p>
+                      <a:r>
+                        <a:rPr lang="en-US" dirty="0"/>
+                        <a:t>Delay2</a:t>
+                      </a:r>
+                    </a:p>
+                  </a:txBody>
+                  <a:tcPr/>
+                </a:tc>
+                <a:tc>
+                  <a:txBody>
+                    <a:bodyPr/>
+                    <a:lstStyle/>
+                    <a:p>
+                      <a:r>
+                        <a:rPr lang="en-US" dirty="0"/>
+                        <a:t>25</a:t>
+                      </a:r>
+                    </a:p>
+                  </a:txBody>
+                  <a:tcPr/>
+                </a:tc>
+                <a:tc>
+                  <a:txBody>
+                    <a:bodyPr/>
+                    <a:lstStyle/>
+                    <a:p>
+                      <a:r>
+                        <a:rPr lang="en-US" dirty="0"/>
+                        <a:t>15</a:t>
+                      </a:r>
+                    </a:p>
+                  </a:txBody>
+                  <a:tcPr/>
+                </a:tc>
+                <a:extLst>
+                  <a:ext uri="{0D108BD9-81ED-4DB2-BD59-A6C34878D82A}">
+                    <a16:rowId xmlns:a16="http://schemas.microsoft.com/office/drawing/2014/main" val="1887423555"/>
+                  </a:ext>
+                </a:extLst>
+              </a:tr>
+              <a:tr h="370840">
+                <a:tc>
+                  <a:txBody>
+                    <a:bodyPr/>
+                    <a:lstStyle/>
+                    <a:p>
+                      <a:r>
+                        <a:rPr lang="en-US" dirty="0"/>
+                        <a:t>Delay3</a:t>
+                      </a:r>
+                    </a:p>
+                  </a:txBody>
+                  <a:tcPr/>
+                </a:tc>
+                <a:tc>
+                  <a:txBody>
+                    <a:bodyPr/>
+                    <a:lstStyle/>
+                    <a:p>
+                      <a:r>
+                        <a:rPr lang="en-US" dirty="0"/>
+                        <a:t>5</a:t>
+                      </a:r>
+                    </a:p>
+                  </a:txBody>
+                  <a:tcPr/>
+                </a:tc>
+                <a:tc>
+                  <a:txBody>
+                    <a:bodyPr/>
+                    <a:lstStyle/>
+                    <a:p>
+                      <a:r>
+                        <a:rPr lang="en-US" dirty="0"/>
+                        <a:t>1</a:t>
+                      </a:r>
+                    </a:p>
+                  </a:txBody>
+                  <a:tcPr/>
+                </a:tc>
+                <a:extLst>
+                  <a:ext uri="{0D108BD9-81ED-4DB2-BD59-A6C34878D82A}">
+                    <a16:rowId xmlns:a16="http://schemas.microsoft.com/office/drawing/2014/main" val="2570995142"/>
+                  </a:ext>
+                </a:extLst>
+              </a:tr>
+              <a:tr h="370840">
+                <a:tc>
+                  <a:txBody>
+                    <a:bodyPr/>
+                    <a:lstStyle/>
+                    <a:p>
+                      <a:r>
+                        <a:rPr lang="en-US" dirty="0"/>
+                        <a:t>PV</a:t>
+                      </a:r>
+                    </a:p>
+                  </a:txBody>
+                  <a:tcPr/>
+                </a:tc>
+                <a:tc>
+                  <a:txBody>
+                    <a:bodyPr/>
+                    <a:lstStyle/>
+                    <a:p>
+                      <a:r>
+                        <a:rPr lang="en-US" dirty="0"/>
+                        <a:t>1</a:t>
+                      </a:r>
+                    </a:p>
+                  </a:txBody>
+                  <a:tcPr/>
+                </a:tc>
+                <a:tc>
+                  <a:txBody>
+                    <a:bodyPr/>
+                    <a:lstStyle/>
+                    <a:p>
+                      <a:r>
+                        <a:rPr lang="en-US" dirty="0"/>
+                        <a:t>4</a:t>
+                      </a:r>
+                    </a:p>
+                  </a:txBody>
+                  <a:tcPr/>
+                </a:tc>
+                <a:extLst>
+                  <a:ext uri="{0D108BD9-81ED-4DB2-BD59-A6C34878D82A}">
+                    <a16:rowId xmlns:a16="http://schemas.microsoft.com/office/drawing/2014/main" val="8716104"/>
+                  </a:ext>
+                </a:extLst>
+              </a:tr>
+              <a:tr h="370840">
+                <a:tc>
+                  <a:txBody>
+                    <a:bodyPr/>
+                    <a:lstStyle/>
+                    <a:p>
+                      <a:r>
+                        <a:rPr lang="en-US" dirty="0"/>
+                        <a:t>Total Delay</a:t>
+                      </a:r>
+                    </a:p>
+                  </a:txBody>
+                  <a:tcPr/>
+                </a:tc>
+                <a:tc>
+                  <a:txBody>
+                    <a:bodyPr/>
+                    <a:lstStyle/>
+                    <a:p>
+                      <a:r>
+                        <a:rPr lang="en-US" dirty="0"/>
+                        <a:t>33</a:t>
+                      </a:r>
+                    </a:p>
+                  </a:txBody>
+                  <a:tcPr/>
+                </a:tc>
+                <a:tc>
+                  <a:txBody>
+                    <a:bodyPr/>
+                    <a:lstStyle/>
+                    <a:p>
+                      <a:r>
+                        <a:rPr lang="en-US" dirty="0">
+                          <a:highlight>
+                            <a:srgbClr val="FFFF00"/>
+                          </a:highlight>
+                        </a:rPr>
+                        <a:t>25</a:t>
+                      </a:r>
+                    </a:p>
+                  </a:txBody>
+                  <a:tcPr/>
+                </a:tc>
+                <a:extLst>
+                  <a:ext uri="{0D108BD9-81ED-4DB2-BD59-A6C34878D82A}">
+                    <a16:rowId xmlns:a16="http://schemas.microsoft.com/office/drawing/2014/main" val="4018068355"/>
+                  </a:ext>
+                </a:extLst>
+              </a:tr>
+            </a:tbl>
+          </a:graphicData>
+        </a:graphic>
+      </p:graphicFrame>
+      <p:sp>
+        <p:nvSpPr>
+          <p:cNvPr id="10" name="Rectangle 9">
+            <a:extLst>
+              <a:ext uri="{FF2B5EF4-FFF2-40B4-BE49-F238E27FC236}">
+                <a16:creationId xmlns:a16="http://schemas.microsoft.com/office/drawing/2014/main" id="{EA4FC4F3-C662-4AAF-9262-C6CF9BD03E3E}"/>
+              </a:ext>
+            </a:extLst>
+          </p:cNvPr>
+          <p:cNvSpPr/>
+          <p:nvPr/>
+        </p:nvSpPr>
+        <p:spPr>
+          <a:xfrm>
+            <a:off x="6186572" y="5781423"/>
+            <a:ext cx="5762191" cy="445168"/>
+          </a:xfrm>
+          <a:prstGeom prst="rect">
+            <a:avLst/>
+          </a:prstGeom>
+          <a:noFill/>
+          <a:ln w="57150">
+            <a:solidFill>
+              <a:srgbClr val="FF0000"/>
+            </a:solidFill>
+          </a:ln>
+        </p:spPr>
+        <p:style>
+          <a:lnRef idx="2">
+            <a:schemeClr val="accent1">
+              <a:shade val="50000"/>
+            </a:schemeClr>
+          </a:lnRef>
+          <a:fillRef idx="1">
+            <a:schemeClr val="accent1"/>
+          </a:fillRef>
+          <a:effectRef idx="0">
+            <a:schemeClr val="accent1"/>
+          </a:effectRef>
+          <a:fontRef idx="minor">
+            <a:schemeClr val="lt1"/>
+          </a:fontRef>
+        </p:style>
+        <p:txBody>
+          <a:bodyPr rtlCol="0" anchor="ctr"/>
+          <a:lstStyle/>
+          <a:p>
+            <a:pPr algn="ctr"/>
+            <a:endParaRPr lang="en-US"/>
+          </a:p>
+        </p:txBody>
+      </p:sp>
+      <p:sp>
+        <p:nvSpPr>
+          <p:cNvPr id="7" name="TextBox 6">
+            <a:extLst>
+              <a:ext uri="{FF2B5EF4-FFF2-40B4-BE49-F238E27FC236}">
+                <a16:creationId xmlns:a16="http://schemas.microsoft.com/office/drawing/2014/main" id="{094BE248-48D0-45D4-ADDE-59B6F6A743F0}"/>
+              </a:ext>
+            </a:extLst>
+          </p:cNvPr>
+          <p:cNvSpPr txBox="1"/>
+          <p:nvPr/>
+        </p:nvSpPr>
+        <p:spPr>
+          <a:xfrm>
+            <a:off x="5459195" y="1989106"/>
+            <a:ext cx="897490" cy="369332"/>
+          </a:xfrm>
+          <a:prstGeom prst="rect">
+            <a:avLst/>
+          </a:prstGeom>
+          <a:noFill/>
+        </p:spPr>
+        <p:txBody>
+          <a:bodyPr wrap="none" rtlCol="0">
+            <a:spAutoFit/>
+          </a:bodyPr>
+          <a:lstStyle/>
+          <a:p>
+            <a:r>
+              <a:rPr lang="en-US" dirty="0"/>
+              <a:t>Board1</a:t>
+            </a:r>
+          </a:p>
+        </p:txBody>
+      </p:sp>
+      <p:sp>
+        <p:nvSpPr>
+          <p:cNvPr id="13" name="TextBox 12">
+            <a:extLst>
+              <a:ext uri="{FF2B5EF4-FFF2-40B4-BE49-F238E27FC236}">
+                <a16:creationId xmlns:a16="http://schemas.microsoft.com/office/drawing/2014/main" id="{459401B8-7B84-4E02-8011-FCE14B8B3036}"/>
+              </a:ext>
+            </a:extLst>
+          </p:cNvPr>
+          <p:cNvSpPr txBox="1"/>
+          <p:nvPr/>
+        </p:nvSpPr>
+        <p:spPr>
+          <a:xfrm>
+            <a:off x="5477677" y="4361387"/>
+            <a:ext cx="897490" cy="369332"/>
+          </a:xfrm>
+          <a:prstGeom prst="rect">
+            <a:avLst/>
+          </a:prstGeom>
+          <a:noFill/>
+        </p:spPr>
+        <p:txBody>
+          <a:bodyPr wrap="none" rtlCol="0">
+            <a:spAutoFit/>
+          </a:bodyPr>
+          <a:lstStyle/>
+          <a:p>
+            <a:r>
+              <a:rPr lang="en-US" dirty="0"/>
+              <a:t>Board2</a:t>
+            </a:r>
+          </a:p>
+        </p:txBody>
+      </p:sp>
+      <p:cxnSp>
+        <p:nvCxnSpPr>
+          <p:cNvPr id="14" name="Straight Connector 13">
+            <a:extLst>
+              <a:ext uri="{FF2B5EF4-FFF2-40B4-BE49-F238E27FC236}">
+                <a16:creationId xmlns:a16="http://schemas.microsoft.com/office/drawing/2014/main" id="{507BF5AE-6B42-422E-A1D6-E463D7383ECD}"/>
+              </a:ext>
+            </a:extLst>
+          </p:cNvPr>
+          <p:cNvCxnSpPr/>
+          <p:nvPr/>
+        </p:nvCxnSpPr>
+        <p:spPr>
+          <a:xfrm>
+            <a:off x="5299444" y="1989106"/>
+            <a:ext cx="0" cy="4363568"/>
+          </a:xfrm>
+          <a:prstGeom prst="line">
+            <a:avLst/>
+          </a:prstGeom>
+          <a:ln w="38100">
+            <a:solidFill>
+              <a:schemeClr val="tx1"/>
+            </a:solidFill>
+          </a:ln>
+        </p:spPr>
+        <p:style>
+          <a:lnRef idx="1">
+            <a:schemeClr val="dk1"/>
+          </a:lnRef>
+          <a:fillRef idx="0">
+            <a:schemeClr val="dk1"/>
+          </a:fillRef>
+          <a:effectRef idx="0">
+            <a:schemeClr val="dk1"/>
+          </a:effectRef>
+          <a:fontRef idx="minor">
+            <a:schemeClr val="tx1"/>
+          </a:fontRef>
+        </p:style>
+      </p:cxnSp>
+    </p:spTree>
+    <p:extLst>
+      <p:ext uri="{BB962C8B-B14F-4D97-AF65-F5344CB8AC3E}">
+        <p14:creationId xmlns:p14="http://schemas.microsoft.com/office/powerpoint/2010/main" val="4143482445"/>
+      </p:ext>
+    </p:extLst>
+  </p:cSld>
+  <p:clrMapOvr>
+    <a:masterClrMapping/>
+  </p:clrMapOvr>
+</p:sld>
+</file>
+
+<file path=ppt/slides/slide22.xml><?xml version="1.0" encoding="utf-8"?>
+<p:sld xmlns:a="http://schemas.openxmlformats.org/drawingml/2006/main" xmlns:r="http://schemas.openxmlformats.org/officeDocument/2006/relationships" xmlns:p="http://schemas.openxmlformats.org/presentationml/2006/main">
+  <p:cSld>
+    <p:spTree>
+      <p:nvGrpSpPr>
+        <p:cNvPr id="1" name=""/>
+        <p:cNvGrpSpPr/>
+        <p:nvPr/>
+      </p:nvGrpSpPr>
+      <p:grpSpPr>
+        <a:xfrm>
+          <a:off x="0" y="0"/>
+          <a:ext cx="0" cy="0"/>
+          <a:chOff x="0" y="0"/>
+          <a:chExt cx="0" cy="0"/>
+        </a:xfrm>
+      </p:grpSpPr>
+      <p:sp>
+        <p:nvSpPr>
+          <p:cNvPr id="2" name="Title 1">
+            <a:extLst>
+              <a:ext uri="{FF2B5EF4-FFF2-40B4-BE49-F238E27FC236}">
+                <a16:creationId xmlns:a16="http://schemas.microsoft.com/office/drawing/2014/main" id="{C7899519-7762-4762-B07B-419C26BBD08C}"/>
+              </a:ext>
+            </a:extLst>
+          </p:cNvPr>
+          <p:cNvSpPr>
+            <a:spLocks noGrp="1"/>
+          </p:cNvSpPr>
+          <p:nvPr>
+            <p:ph type="title"/>
+          </p:nvPr>
+        </p:nvSpPr>
+        <p:spPr/>
+        <p:txBody>
+          <a:bodyPr/>
+          <a:lstStyle/>
+          <a:p>
+            <a:r>
+              <a:rPr lang="en-US" dirty="0"/>
+              <a:t>Solution</a:t>
+            </a:r>
+          </a:p>
+        </p:txBody>
+      </p:sp>
+      <p:sp>
+        <p:nvSpPr>
+          <p:cNvPr id="4" name="TextBox 3">
+            <a:extLst>
+              <a:ext uri="{FF2B5EF4-FFF2-40B4-BE49-F238E27FC236}">
+                <a16:creationId xmlns:a16="http://schemas.microsoft.com/office/drawing/2014/main" id="{05836E13-1BB1-4589-8A4A-E618622CE8C7}"/>
+              </a:ext>
+            </a:extLst>
+          </p:cNvPr>
+          <p:cNvSpPr txBox="1"/>
+          <p:nvPr/>
+        </p:nvSpPr>
+        <p:spPr>
+          <a:xfrm>
+            <a:off x="1097280" y="2213811"/>
+            <a:ext cx="9868301" cy="1200329"/>
+          </a:xfrm>
+          <a:prstGeom prst="rect">
+            <a:avLst/>
+          </a:prstGeom>
+          <a:noFill/>
+        </p:spPr>
+        <p:txBody>
+          <a:bodyPr wrap="square" rtlCol="0">
+            <a:spAutoFit/>
+          </a:bodyPr>
+          <a:lstStyle/>
+          <a:p>
+            <a:pPr marL="285750" indent="-285750">
+              <a:buFont typeface="Arial" panose="020B0604020202020204" pitchFamily="34" charset="0"/>
+              <a:buChar char="•"/>
+            </a:pPr>
+            <a:r>
+              <a:rPr lang="en-US" sz="2400" dirty="0"/>
+              <a:t>Use </a:t>
+            </a:r>
+            <a:r>
+              <a:rPr lang="en-US" sz="2400" dirty="0" err="1"/>
+              <a:t>Tcl</a:t>
+            </a:r>
+            <a:r>
+              <a:rPr lang="en-US" sz="2400" dirty="0"/>
+              <a:t> commands to manually place and route the Ros</a:t>
+            </a:r>
+          </a:p>
+          <a:p>
+            <a:pPr marL="742950" lvl="1" indent="-285750">
+              <a:buFont typeface="Arial" panose="020B0604020202020204" pitchFamily="34" charset="0"/>
+              <a:buChar char="•"/>
+            </a:pPr>
+            <a:r>
+              <a:rPr lang="en-US" sz="2400" dirty="0"/>
+              <a:t>Use </a:t>
+            </a:r>
+            <a:r>
+              <a:rPr lang="en-US" sz="2400" dirty="0" err="1"/>
+              <a:t>unplace_cell</a:t>
+            </a:r>
+            <a:r>
+              <a:rPr lang="en-US" sz="2400" dirty="0"/>
+              <a:t> to clear an area</a:t>
+            </a:r>
+          </a:p>
+          <a:p>
+            <a:pPr marL="742950" lvl="1" indent="-285750">
+              <a:buFont typeface="Arial" panose="020B0604020202020204" pitchFamily="34" charset="0"/>
+              <a:buChar char="•"/>
+            </a:pPr>
+            <a:r>
+              <a:rPr lang="en-US" sz="2400" dirty="0"/>
+              <a:t>Use </a:t>
+            </a:r>
+            <a:r>
+              <a:rPr lang="en-US" sz="2400" dirty="0" err="1"/>
+              <a:t>place_cell</a:t>
+            </a:r>
+            <a:r>
+              <a:rPr lang="en-US" sz="2400" dirty="0"/>
+              <a:t> to place the LUTs of each RO identically</a:t>
+            </a:r>
+          </a:p>
+        </p:txBody>
+      </p:sp>
+      <p:sp>
+        <p:nvSpPr>
+          <p:cNvPr id="5" name="TextBox 4">
+            <a:extLst>
+              <a:ext uri="{FF2B5EF4-FFF2-40B4-BE49-F238E27FC236}">
+                <a16:creationId xmlns:a16="http://schemas.microsoft.com/office/drawing/2014/main" id="{D7313B06-68BE-4409-B0EA-0A32D2E858A9}"/>
+              </a:ext>
+            </a:extLst>
+          </p:cNvPr>
+          <p:cNvSpPr txBox="1"/>
+          <p:nvPr/>
+        </p:nvSpPr>
+        <p:spPr>
+          <a:xfrm>
+            <a:off x="1275347" y="3946358"/>
+            <a:ext cx="2596673" cy="369332"/>
+          </a:xfrm>
+          <a:prstGeom prst="rect">
+            <a:avLst/>
+          </a:prstGeom>
+          <a:noFill/>
+        </p:spPr>
+        <p:txBody>
+          <a:bodyPr wrap="none" rtlCol="0">
+            <a:spAutoFit/>
+          </a:bodyPr>
+          <a:lstStyle/>
+          <a:p>
+            <a:r>
+              <a:rPr lang="en-US" dirty="0">
+                <a:hlinkClick r:id="rId2" action="ppaction://hlinkfile"/>
+              </a:rPr>
+              <a:t>Link to the command file</a:t>
+            </a:r>
+            <a:endParaRPr lang="en-US" dirty="0"/>
+          </a:p>
+        </p:txBody>
+      </p:sp>
+    </p:spTree>
+    <p:extLst>
+      <p:ext uri="{BB962C8B-B14F-4D97-AF65-F5344CB8AC3E}">
+        <p14:creationId xmlns:p14="http://schemas.microsoft.com/office/powerpoint/2010/main" val="4014321868"/>
+      </p:ext>
+    </p:extLst>
+  </p:cSld>
+  <p:clrMapOvr>
+    <a:masterClrMapping/>
+  </p:clrMapOvr>
+</p:sld>
+</file>
+
+<file path=ppt/slides/slide23.xml><?xml version="1.0" encoding="utf-8"?>
+<p:sld xmlns:a="http://schemas.openxmlformats.org/drawingml/2006/main" xmlns:r="http://schemas.openxmlformats.org/officeDocument/2006/relationships" xmlns:p="http://schemas.openxmlformats.org/presentationml/2006/main">
+  <p:cSld>
+    <p:spTree>
+      <p:nvGrpSpPr>
+        <p:cNvPr id="1" name=""/>
+        <p:cNvGrpSpPr/>
+        <p:nvPr/>
+      </p:nvGrpSpPr>
+      <p:grpSpPr>
+        <a:xfrm>
+          <a:off x="0" y="0"/>
+          <a:ext cx="0" cy="0"/>
+          <a:chOff x="0" y="0"/>
+          <a:chExt cx="0" cy="0"/>
+        </a:xfrm>
+      </p:grpSpPr>
+      <p:sp>
+        <p:nvSpPr>
+          <p:cNvPr id="2" name="Title 1">
+            <a:extLst>
+              <a:ext uri="{FF2B5EF4-FFF2-40B4-BE49-F238E27FC236}">
+                <a16:creationId xmlns:a16="http://schemas.microsoft.com/office/drawing/2014/main" id="{C7899519-7762-4762-B07B-419C26BBD08C}"/>
+              </a:ext>
+            </a:extLst>
+          </p:cNvPr>
+          <p:cNvSpPr>
+            <a:spLocks noGrp="1"/>
+          </p:cNvSpPr>
+          <p:nvPr>
+            <p:ph type="title"/>
+          </p:nvPr>
+        </p:nvSpPr>
+        <p:spPr/>
+        <p:txBody>
+          <a:bodyPr/>
+          <a:lstStyle/>
+          <a:p>
+            <a:r>
+              <a:rPr lang="en-US" dirty="0"/>
+              <a:t>Solution</a:t>
+            </a:r>
+            <a:br>
+              <a:rPr lang="en-US" dirty="0"/>
+            </a:br>
+            <a:r>
+              <a:rPr lang="en-US" dirty="0"/>
+              <a:t>(Placement)</a:t>
+            </a:r>
+          </a:p>
+        </p:txBody>
+      </p:sp>
+      <p:pic>
+        <p:nvPicPr>
+          <p:cNvPr id="9" name="Picture 8" descr="A sign on the side of a building&#10;&#10;Description automatically generated">
+            <a:extLst>
+              <a:ext uri="{FF2B5EF4-FFF2-40B4-BE49-F238E27FC236}">
+                <a16:creationId xmlns:a16="http://schemas.microsoft.com/office/drawing/2014/main" id="{316CD515-4823-4AA7-91D5-F1651D46A22D}"/>
+              </a:ext>
+            </a:extLst>
+          </p:cNvPr>
+          <p:cNvPicPr>
+            <a:picLocks noChangeAspect="1"/>
+          </p:cNvPicPr>
+          <p:nvPr/>
+        </p:nvPicPr>
+        <p:blipFill>
+          <a:blip r:embed="rId2"/>
+          <a:stretch>
+            <a:fillRect/>
+          </a:stretch>
+        </p:blipFill>
+        <p:spPr>
+          <a:xfrm>
+            <a:off x="4733604" y="99763"/>
+            <a:ext cx="6624207" cy="6604345"/>
+          </a:xfrm>
+          <a:prstGeom prst="rect">
+            <a:avLst/>
+          </a:prstGeom>
+        </p:spPr>
+      </p:pic>
+    </p:spTree>
+    <p:extLst>
+      <p:ext uri="{BB962C8B-B14F-4D97-AF65-F5344CB8AC3E}">
+        <p14:creationId xmlns:p14="http://schemas.microsoft.com/office/powerpoint/2010/main" val="114038099"/>
+      </p:ext>
+    </p:extLst>
+  </p:cSld>
+  <p:clrMapOvr>
+    <a:masterClrMapping/>
+  </p:clrMapOvr>
+</p:sld>
+</file>
+
+<file path=ppt/slides/slide24.xml><?xml version="1.0" encoding="utf-8"?>
+<p:sld xmlns:a="http://schemas.openxmlformats.org/drawingml/2006/main" xmlns:r="http://schemas.openxmlformats.org/officeDocument/2006/relationships" xmlns:p="http://schemas.openxmlformats.org/presentationml/2006/main">
+  <p:cSld>
+    <p:spTree>
+      <p:nvGrpSpPr>
+        <p:cNvPr id="1" name=""/>
+        <p:cNvGrpSpPr/>
+        <p:nvPr/>
+      </p:nvGrpSpPr>
+      <p:grpSpPr>
+        <a:xfrm>
+          <a:off x="0" y="0"/>
+          <a:ext cx="0" cy="0"/>
+          <a:chOff x="0" y="0"/>
+          <a:chExt cx="0" cy="0"/>
+        </a:xfrm>
+      </p:grpSpPr>
+      <p:sp>
+        <p:nvSpPr>
+          <p:cNvPr id="2" name="Title 1">
+            <a:extLst>
+              <a:ext uri="{FF2B5EF4-FFF2-40B4-BE49-F238E27FC236}">
+                <a16:creationId xmlns:a16="http://schemas.microsoft.com/office/drawing/2014/main" id="{C7899519-7762-4762-B07B-419C26BBD08C}"/>
+              </a:ext>
+            </a:extLst>
+          </p:cNvPr>
+          <p:cNvSpPr>
+            <a:spLocks noGrp="1"/>
+          </p:cNvSpPr>
+          <p:nvPr>
+            <p:ph type="title"/>
+          </p:nvPr>
+        </p:nvSpPr>
+        <p:spPr/>
+        <p:txBody>
+          <a:bodyPr/>
+          <a:lstStyle/>
+          <a:p>
+            <a:r>
+              <a:rPr lang="en-US" dirty="0"/>
+              <a:t>Solution</a:t>
+            </a:r>
+            <a:br>
+              <a:rPr lang="en-US" dirty="0"/>
+            </a:br>
+            <a:r>
+              <a:rPr lang="en-US" dirty="0"/>
+              <a:t>(Placement)</a:t>
+            </a:r>
+          </a:p>
+        </p:txBody>
+      </p:sp>
+      <p:pic>
+        <p:nvPicPr>
+          <p:cNvPr id="6" name="Picture 5" descr="A picture containing sitting, computer, blue, city&#10;&#10;Description automatically generated">
+            <a:extLst>
+              <a:ext uri="{FF2B5EF4-FFF2-40B4-BE49-F238E27FC236}">
+                <a16:creationId xmlns:a16="http://schemas.microsoft.com/office/drawing/2014/main" id="{DF9287EB-4B31-4C21-81D6-62B0F500E1A0}"/>
+              </a:ext>
+            </a:extLst>
+          </p:cNvPr>
+          <p:cNvPicPr>
+            <a:picLocks noChangeAspect="1"/>
+          </p:cNvPicPr>
+          <p:nvPr/>
+        </p:nvPicPr>
+        <p:blipFill>
+          <a:blip r:embed="rId2"/>
+          <a:stretch>
+            <a:fillRect/>
+          </a:stretch>
+        </p:blipFill>
+        <p:spPr>
+          <a:xfrm>
+            <a:off x="4556098" y="134285"/>
+            <a:ext cx="7635902" cy="6180356"/>
+          </a:xfrm>
+          <a:prstGeom prst="rect">
+            <a:avLst/>
+          </a:prstGeom>
+        </p:spPr>
+      </p:pic>
+      <p:sp>
+        <p:nvSpPr>
+          <p:cNvPr id="8" name="TextBox 7">
+            <a:extLst>
+              <a:ext uri="{FF2B5EF4-FFF2-40B4-BE49-F238E27FC236}">
+                <a16:creationId xmlns:a16="http://schemas.microsoft.com/office/drawing/2014/main" id="{4D1CAF5E-9C9C-41B7-8763-675F99A40EC6}"/>
+              </a:ext>
+            </a:extLst>
+          </p:cNvPr>
+          <p:cNvSpPr txBox="1"/>
+          <p:nvPr/>
+        </p:nvSpPr>
+        <p:spPr>
+          <a:xfrm>
+            <a:off x="1097280" y="2548672"/>
+            <a:ext cx="2879419" cy="1477328"/>
+          </a:xfrm>
+          <a:prstGeom prst="rect">
+            <a:avLst/>
+          </a:prstGeom>
+          <a:noFill/>
+        </p:spPr>
+        <p:txBody>
+          <a:bodyPr wrap="square" rtlCol="0">
+            <a:spAutoFit/>
+          </a:bodyPr>
+          <a:lstStyle/>
+          <a:p>
+            <a:r>
+              <a:rPr lang="en-US" dirty="0"/>
+              <a:t>Need to skip some columns because we want to place blocks at locations where the available routing resources are identical</a:t>
+            </a:r>
+          </a:p>
+        </p:txBody>
+      </p:sp>
+    </p:spTree>
+    <p:extLst>
+      <p:ext uri="{BB962C8B-B14F-4D97-AF65-F5344CB8AC3E}">
+        <p14:creationId xmlns:p14="http://schemas.microsoft.com/office/powerpoint/2010/main" val="906844670"/>
+      </p:ext>
+    </p:extLst>
+  </p:cSld>
+  <p:clrMapOvr>
+    <a:masterClrMapping/>
+  </p:clrMapOvr>
+</p:sld>
+</file>
+
+<file path=ppt/slides/slide25.xml><?xml version="1.0" encoding="utf-8"?>
+<p:sld xmlns:a="http://schemas.openxmlformats.org/drawingml/2006/main" xmlns:r="http://schemas.openxmlformats.org/officeDocument/2006/relationships" xmlns:p="http://schemas.openxmlformats.org/presentationml/2006/main">
+  <p:cSld>
+    <p:spTree>
+      <p:nvGrpSpPr>
+        <p:cNvPr id="1" name=""/>
+        <p:cNvGrpSpPr/>
+        <p:nvPr/>
+      </p:nvGrpSpPr>
+      <p:grpSpPr>
+        <a:xfrm>
+          <a:off x="0" y="0"/>
+          <a:ext cx="0" cy="0"/>
+          <a:chOff x="0" y="0"/>
+          <a:chExt cx="0" cy="0"/>
+        </a:xfrm>
+      </p:grpSpPr>
+      <p:sp>
+        <p:nvSpPr>
+          <p:cNvPr id="2" name="Title 1">
+            <a:extLst>
+              <a:ext uri="{FF2B5EF4-FFF2-40B4-BE49-F238E27FC236}">
+                <a16:creationId xmlns:a16="http://schemas.microsoft.com/office/drawing/2014/main" id="{C7899519-7762-4762-B07B-419C26BBD08C}"/>
+              </a:ext>
+            </a:extLst>
+          </p:cNvPr>
+          <p:cNvSpPr>
+            <a:spLocks noGrp="1"/>
+          </p:cNvSpPr>
+          <p:nvPr>
+            <p:ph type="title"/>
+          </p:nvPr>
+        </p:nvSpPr>
+        <p:spPr/>
+        <p:txBody>
+          <a:bodyPr/>
+          <a:lstStyle/>
+          <a:p>
+            <a:r>
+              <a:rPr lang="en-US" dirty="0"/>
+              <a:t>Solution</a:t>
+            </a:r>
+            <a:br>
+              <a:rPr lang="en-US" dirty="0"/>
+            </a:br>
+            <a:r>
+              <a:rPr lang="en-US" dirty="0"/>
+              <a:t>(Routing)</a:t>
+            </a:r>
+          </a:p>
+        </p:txBody>
+      </p:sp>
+      <p:pic>
+        <p:nvPicPr>
+          <p:cNvPr id="3" name="Picture 2">
+            <a:extLst>
+              <a:ext uri="{FF2B5EF4-FFF2-40B4-BE49-F238E27FC236}">
+                <a16:creationId xmlns:a16="http://schemas.microsoft.com/office/drawing/2014/main" id="{1E33B1A8-9662-43CE-AF43-A024FE559BE5}"/>
+              </a:ext>
+            </a:extLst>
+          </p:cNvPr>
+          <p:cNvPicPr>
+            <a:picLocks noChangeAspect="1"/>
+          </p:cNvPicPr>
+          <p:nvPr/>
+        </p:nvPicPr>
+        <p:blipFill>
+          <a:blip r:embed="rId2"/>
+          <a:stretch>
+            <a:fillRect/>
+          </a:stretch>
+        </p:blipFill>
+        <p:spPr>
+          <a:xfrm>
+            <a:off x="4987841" y="2051384"/>
+            <a:ext cx="7077075" cy="3886200"/>
+          </a:xfrm>
+          <a:prstGeom prst="rect">
+            <a:avLst/>
+          </a:prstGeom>
+        </p:spPr>
+      </p:pic>
+      <p:sp>
+        <p:nvSpPr>
+          <p:cNvPr id="4" name="TextBox 3">
+            <a:extLst>
+              <a:ext uri="{FF2B5EF4-FFF2-40B4-BE49-F238E27FC236}">
+                <a16:creationId xmlns:a16="http://schemas.microsoft.com/office/drawing/2014/main" id="{E301AED7-5213-495B-AB17-C192A72EC6BE}"/>
+              </a:ext>
+            </a:extLst>
+          </p:cNvPr>
+          <p:cNvSpPr txBox="1"/>
+          <p:nvPr/>
+        </p:nvSpPr>
+        <p:spPr>
+          <a:xfrm>
+            <a:off x="6244389" y="2967335"/>
+            <a:ext cx="4483920" cy="461665"/>
+          </a:xfrm>
+          <a:prstGeom prst="rect">
+            <a:avLst/>
+          </a:prstGeom>
+          <a:noFill/>
+        </p:spPr>
+        <p:txBody>
+          <a:bodyPr wrap="none" rtlCol="0">
+            <a:spAutoFit/>
+          </a:bodyPr>
+          <a:lstStyle/>
+          <a:p>
+            <a:r>
+              <a:rPr lang="en-US" sz="2400" b="1" dirty="0">
+                <a:solidFill>
+                  <a:srgbClr val="FFFF00"/>
+                </a:solidFill>
+              </a:rPr>
+              <a:t>A        B                                        C</a:t>
+            </a:r>
+          </a:p>
+        </p:txBody>
+      </p:sp>
+      <p:sp>
+        <p:nvSpPr>
+          <p:cNvPr id="5" name="TextBox 4">
+            <a:extLst>
+              <a:ext uri="{FF2B5EF4-FFF2-40B4-BE49-F238E27FC236}">
+                <a16:creationId xmlns:a16="http://schemas.microsoft.com/office/drawing/2014/main" id="{8ECB84E7-8BB1-4B09-9C7A-DB6A70AE1AEE}"/>
+              </a:ext>
+            </a:extLst>
+          </p:cNvPr>
+          <p:cNvSpPr txBox="1"/>
+          <p:nvPr/>
+        </p:nvSpPr>
+        <p:spPr>
+          <a:xfrm>
+            <a:off x="395940" y="2274838"/>
+            <a:ext cx="4511842" cy="2862322"/>
+          </a:xfrm>
+          <a:prstGeom prst="rect">
+            <a:avLst/>
+          </a:prstGeom>
+          <a:noFill/>
+        </p:spPr>
+        <p:txBody>
+          <a:bodyPr wrap="square" rtlCol="0">
+            <a:spAutoFit/>
+          </a:bodyPr>
+          <a:lstStyle/>
+          <a:p>
+            <a:pPr marL="285750" indent="-285750">
+              <a:buFont typeface="Arial" panose="020B0604020202020204" pitchFamily="34" charset="0"/>
+              <a:buChar char="•"/>
+            </a:pPr>
+            <a:r>
+              <a:rPr lang="en-US" sz="2000" dirty="0"/>
+              <a:t>A, B, and C are three adjacent tiles locate in different columns</a:t>
+            </a:r>
+          </a:p>
+          <a:p>
+            <a:pPr marL="285750" indent="-285750">
+              <a:buFont typeface="Arial" panose="020B0604020202020204" pitchFamily="34" charset="0"/>
+              <a:buChar char="•"/>
+            </a:pPr>
+            <a:r>
+              <a:rPr lang="en-US" sz="2000" dirty="0"/>
+              <a:t>Each RO needs two tiles</a:t>
+            </a:r>
+          </a:p>
+          <a:p>
+            <a:pPr marL="285750" indent="-285750">
+              <a:buFont typeface="Arial" panose="020B0604020202020204" pitchFamily="34" charset="0"/>
+              <a:buChar char="•"/>
+            </a:pPr>
+            <a:r>
+              <a:rPr lang="en-US" sz="2000" dirty="0"/>
+              <a:t>Choose AB vs. BC results in different available internal routing resources</a:t>
+            </a:r>
+          </a:p>
+          <a:p>
+            <a:pPr marL="285750" indent="-285750">
+              <a:buFont typeface="Arial" panose="020B0604020202020204" pitchFamily="34" charset="0"/>
+              <a:buChar char="•"/>
+            </a:pPr>
+            <a:r>
+              <a:rPr lang="en-US" sz="2000" dirty="0"/>
+              <a:t>Since ROs in other columns have available routing resources like BC does, we have to skip column A and use BC</a:t>
+            </a:r>
+          </a:p>
+        </p:txBody>
+      </p:sp>
+    </p:spTree>
+    <p:extLst>
+      <p:ext uri="{BB962C8B-B14F-4D97-AF65-F5344CB8AC3E}">
+        <p14:creationId xmlns:p14="http://schemas.microsoft.com/office/powerpoint/2010/main" val="193934592"/>
+      </p:ext>
+    </p:extLst>
+  </p:cSld>
+  <p:clrMapOvr>
+    <a:masterClrMapping/>
+  </p:clrMapOvr>
+</p:sld>
+</file>
+
+<file path=ppt/slides/slide26.xml><?xml version="1.0" encoding="utf-8"?>
+<p:sld xmlns:a="http://schemas.openxmlformats.org/drawingml/2006/main" xmlns:r="http://schemas.openxmlformats.org/officeDocument/2006/relationships" xmlns:p="http://schemas.openxmlformats.org/presentationml/2006/main">
+  <p:cSld>
+    <p:spTree>
+      <p:nvGrpSpPr>
+        <p:cNvPr id="1" name=""/>
+        <p:cNvGrpSpPr/>
+        <p:nvPr/>
+      </p:nvGrpSpPr>
+      <p:grpSpPr>
+        <a:xfrm>
+          <a:off x="0" y="0"/>
+          <a:ext cx="0" cy="0"/>
+          <a:chOff x="0" y="0"/>
+          <a:chExt cx="0" cy="0"/>
+        </a:xfrm>
+      </p:grpSpPr>
+      <p:sp>
+        <p:nvSpPr>
+          <p:cNvPr id="2" name="Title 1">
+            <a:extLst>
+              <a:ext uri="{FF2B5EF4-FFF2-40B4-BE49-F238E27FC236}">
+                <a16:creationId xmlns:a16="http://schemas.microsoft.com/office/drawing/2014/main" id="{A3BB3C94-9985-4C51-AF79-88F3EB30E861}"/>
+              </a:ext>
+            </a:extLst>
+          </p:cNvPr>
+          <p:cNvSpPr>
+            <a:spLocks noGrp="1"/>
+          </p:cNvSpPr>
+          <p:nvPr>
+            <p:ph type="title"/>
+          </p:nvPr>
+        </p:nvSpPr>
+        <p:spPr/>
+        <p:txBody>
+          <a:bodyPr/>
+          <a:lstStyle/>
+          <a:p>
+            <a:r>
+              <a:rPr lang="en-US" dirty="0"/>
+              <a:t>New Result</a:t>
+            </a:r>
+            <a:br>
+              <a:rPr lang="en-US" dirty="0"/>
+            </a:br>
+            <a:r>
+              <a:rPr lang="en-US" dirty="0"/>
+              <a:t>(Intra-HD)</a:t>
+            </a:r>
+          </a:p>
+        </p:txBody>
+      </p:sp>
+      <p:pic>
+        <p:nvPicPr>
+          <p:cNvPr id="4" name="Picture 3">
+            <a:extLst>
+              <a:ext uri="{FF2B5EF4-FFF2-40B4-BE49-F238E27FC236}">
+                <a16:creationId xmlns:a16="http://schemas.microsoft.com/office/drawing/2014/main" id="{9C13ECE0-779D-452E-A9E5-35F00EE4D093}"/>
+              </a:ext>
+            </a:extLst>
+          </p:cNvPr>
+          <p:cNvPicPr>
+            <a:picLocks noChangeAspect="1"/>
+          </p:cNvPicPr>
+          <p:nvPr/>
+        </p:nvPicPr>
+        <p:blipFill>
+          <a:blip r:embed="rId2"/>
+          <a:stretch>
+            <a:fillRect/>
+          </a:stretch>
+        </p:blipFill>
+        <p:spPr>
+          <a:xfrm>
+            <a:off x="5664366" y="2107532"/>
+            <a:ext cx="6341779" cy="3727784"/>
+          </a:xfrm>
+          <a:prstGeom prst="rect">
+            <a:avLst/>
+          </a:prstGeom>
+        </p:spPr>
+      </p:pic>
+      <p:sp>
+        <p:nvSpPr>
+          <p:cNvPr id="5" name="TextBox 4">
+            <a:extLst>
+              <a:ext uri="{FF2B5EF4-FFF2-40B4-BE49-F238E27FC236}">
+                <a16:creationId xmlns:a16="http://schemas.microsoft.com/office/drawing/2014/main" id="{628DC564-B7A3-4828-90A2-F922C9C3EA92}"/>
+              </a:ext>
+            </a:extLst>
+          </p:cNvPr>
+          <p:cNvSpPr txBox="1"/>
+          <p:nvPr/>
+        </p:nvSpPr>
+        <p:spPr>
+          <a:xfrm>
+            <a:off x="1215190" y="3105834"/>
+            <a:ext cx="3609473" cy="646331"/>
+          </a:xfrm>
+          <a:prstGeom prst="rect">
+            <a:avLst/>
+          </a:prstGeom>
+          <a:noFill/>
+        </p:spPr>
+        <p:txBody>
+          <a:bodyPr wrap="square" rtlCol="0">
+            <a:spAutoFit/>
+          </a:bodyPr>
+          <a:lstStyle/>
+          <a:p>
+            <a:r>
+              <a:rPr lang="en-US" dirty="0"/>
+              <a:t>After making these changes, the intra-HDs are still good</a:t>
+            </a:r>
+          </a:p>
+        </p:txBody>
+      </p:sp>
+    </p:spTree>
+    <p:extLst>
+      <p:ext uri="{BB962C8B-B14F-4D97-AF65-F5344CB8AC3E}">
+        <p14:creationId xmlns:p14="http://schemas.microsoft.com/office/powerpoint/2010/main" val="2766153873"/>
+      </p:ext>
+    </p:extLst>
+  </p:cSld>
+  <p:clrMapOvr>
+    <a:masterClrMapping/>
+  </p:clrMapOvr>
+</p:sld>
+</file>
+
+<file path=ppt/slides/slide27.xml><?xml version="1.0" encoding="utf-8"?>
+<p:sld xmlns:a="http://schemas.openxmlformats.org/drawingml/2006/main" xmlns:r="http://schemas.openxmlformats.org/officeDocument/2006/relationships" xmlns:p="http://schemas.openxmlformats.org/presentationml/2006/main">
+  <p:cSld>
+    <p:spTree>
+      <p:nvGrpSpPr>
+        <p:cNvPr id="1" name=""/>
+        <p:cNvGrpSpPr/>
+        <p:nvPr/>
+      </p:nvGrpSpPr>
+      <p:grpSpPr>
+        <a:xfrm>
+          <a:off x="0" y="0"/>
+          <a:ext cx="0" cy="0"/>
+          <a:chOff x="0" y="0"/>
+          <a:chExt cx="0" cy="0"/>
+        </a:xfrm>
+      </p:grpSpPr>
+      <p:sp>
+        <p:nvSpPr>
+          <p:cNvPr id="2" name="Title 1">
+            <a:extLst>
+              <a:ext uri="{FF2B5EF4-FFF2-40B4-BE49-F238E27FC236}">
+                <a16:creationId xmlns:a16="http://schemas.microsoft.com/office/drawing/2014/main" id="{A3BB3C94-9985-4C51-AF79-88F3EB30E861}"/>
+              </a:ext>
+            </a:extLst>
+          </p:cNvPr>
+          <p:cNvSpPr>
+            <a:spLocks noGrp="1"/>
+          </p:cNvSpPr>
+          <p:nvPr>
+            <p:ph type="title"/>
+          </p:nvPr>
+        </p:nvSpPr>
+        <p:spPr/>
+        <p:txBody>
+          <a:bodyPr/>
+          <a:lstStyle/>
+          <a:p>
+            <a:r>
+              <a:rPr lang="en-US" dirty="0"/>
+              <a:t>New Result</a:t>
+            </a:r>
+            <a:br>
+              <a:rPr lang="en-US" dirty="0"/>
+            </a:br>
+            <a:r>
+              <a:rPr lang="en-US" dirty="0"/>
+              <a:t>(Inter-HD)</a:t>
+            </a:r>
+          </a:p>
+        </p:txBody>
+      </p:sp>
+      <p:pic>
+        <p:nvPicPr>
+          <p:cNvPr id="3" name="Content Placeholder 4" descr="A screenshot of a cell phone&#10;&#10;Description automatically generated">
+            <a:extLst>
+              <a:ext uri="{FF2B5EF4-FFF2-40B4-BE49-F238E27FC236}">
+                <a16:creationId xmlns:a16="http://schemas.microsoft.com/office/drawing/2014/main" id="{EFEAD6E2-F6A6-4333-B105-B84358322C6E}"/>
+              </a:ext>
+            </a:extLst>
+          </p:cNvPr>
+          <p:cNvPicPr>
+            <a:picLocks noGrp="1" noChangeAspect="1"/>
+          </p:cNvPicPr>
+          <p:nvPr>
+            <p:ph idx="1"/>
+          </p:nvPr>
+        </p:nvPicPr>
+        <p:blipFill>
+          <a:blip r:embed="rId2"/>
+          <a:stretch>
+            <a:fillRect/>
+          </a:stretch>
+        </p:blipFill>
+        <p:spPr>
+          <a:xfrm>
+            <a:off x="822226" y="1985638"/>
+            <a:ext cx="5273774" cy="3660089"/>
+          </a:xfrm>
+        </p:spPr>
+      </p:pic>
+      <p:pic>
+        <p:nvPicPr>
+          <p:cNvPr id="4" name="Picture 3">
+            <a:extLst>
+              <a:ext uri="{FF2B5EF4-FFF2-40B4-BE49-F238E27FC236}">
+                <a16:creationId xmlns:a16="http://schemas.microsoft.com/office/drawing/2014/main" id="{DEDC4B71-8956-40B0-AF61-F204B94CB3B1}"/>
+              </a:ext>
+            </a:extLst>
+          </p:cNvPr>
+          <p:cNvPicPr>
+            <a:picLocks noChangeAspect="1"/>
+          </p:cNvPicPr>
+          <p:nvPr/>
+        </p:nvPicPr>
+        <p:blipFill>
+          <a:blip r:embed="rId3"/>
+          <a:stretch>
+            <a:fillRect/>
+          </a:stretch>
+        </p:blipFill>
+        <p:spPr>
+          <a:xfrm>
+            <a:off x="6505324" y="1848769"/>
+            <a:ext cx="5076825" cy="3933825"/>
+          </a:xfrm>
+          <a:prstGeom prst="rect">
+            <a:avLst/>
+          </a:prstGeom>
+        </p:spPr>
+      </p:pic>
+      <p:sp>
+        <p:nvSpPr>
+          <p:cNvPr id="5" name="TextBox 4">
+            <a:extLst>
+              <a:ext uri="{FF2B5EF4-FFF2-40B4-BE49-F238E27FC236}">
+                <a16:creationId xmlns:a16="http://schemas.microsoft.com/office/drawing/2014/main" id="{E4221D4B-E2CF-4704-8A9D-3E34DA84A701}"/>
+              </a:ext>
+            </a:extLst>
+          </p:cNvPr>
+          <p:cNvSpPr txBox="1"/>
+          <p:nvPr/>
+        </p:nvSpPr>
+        <p:spPr>
+          <a:xfrm>
+            <a:off x="1733546" y="5782594"/>
+            <a:ext cx="8163197" cy="523220"/>
+          </a:xfrm>
+          <a:prstGeom prst="rect">
+            <a:avLst/>
+          </a:prstGeom>
+          <a:noFill/>
+        </p:spPr>
+        <p:txBody>
+          <a:bodyPr wrap="none" rtlCol="0">
+            <a:spAutoFit/>
+          </a:bodyPr>
+          <a:lstStyle/>
+          <a:p>
+            <a:r>
+              <a:rPr lang="en-US" sz="2800" b="1" dirty="0"/>
+              <a:t>Before change                                           After change</a:t>
+            </a:r>
+          </a:p>
+        </p:txBody>
+      </p:sp>
+    </p:spTree>
+    <p:extLst>
+      <p:ext uri="{BB962C8B-B14F-4D97-AF65-F5344CB8AC3E}">
+        <p14:creationId xmlns:p14="http://schemas.microsoft.com/office/powerpoint/2010/main" val="1993307483"/>
+      </p:ext>
+    </p:extLst>
+  </p:cSld>
+  <p:clrMapOvr>
+    <a:masterClrMapping/>
+  </p:clrMapOvr>
+</p:sld>
+</file>
+
+<file path=ppt/slides/slide28.xml><?xml version="1.0" encoding="utf-8"?>
+<p:sld xmlns:a="http://schemas.openxmlformats.org/drawingml/2006/main" xmlns:r="http://schemas.openxmlformats.org/officeDocument/2006/relationships" xmlns:p="http://schemas.openxmlformats.org/presentationml/2006/main">
+  <p:cSld>
+    <p:spTree>
+      <p:nvGrpSpPr>
+        <p:cNvPr id="1" name=""/>
+        <p:cNvGrpSpPr/>
+        <p:nvPr/>
+      </p:nvGrpSpPr>
+      <p:grpSpPr>
+        <a:xfrm>
+          <a:off x="0" y="0"/>
+          <a:ext cx="0" cy="0"/>
+          <a:chOff x="0" y="0"/>
+          <a:chExt cx="0" cy="0"/>
+        </a:xfrm>
+      </p:grpSpPr>
+      <p:sp>
+        <p:nvSpPr>
+          <p:cNvPr id="2" name="Title 1">
+            <a:extLst>
+              <a:ext uri="{FF2B5EF4-FFF2-40B4-BE49-F238E27FC236}">
+                <a16:creationId xmlns:a16="http://schemas.microsoft.com/office/drawing/2014/main" id="{EAB58386-9922-4A3A-944B-3FE30C707EBD}"/>
+              </a:ext>
+            </a:extLst>
+          </p:cNvPr>
+          <p:cNvSpPr>
+            <a:spLocks noGrp="1"/>
+          </p:cNvSpPr>
+          <p:nvPr>
+            <p:ph type="title"/>
+          </p:nvPr>
+        </p:nvSpPr>
+        <p:spPr/>
+        <p:txBody>
+          <a:bodyPr/>
+          <a:lstStyle/>
+          <a:p>
+            <a:r>
+              <a:rPr lang="en-US" dirty="0"/>
+              <a:t>Possible Improvements and Limitations</a:t>
+            </a:r>
+          </a:p>
+        </p:txBody>
+      </p:sp>
+      <p:graphicFrame>
+        <p:nvGraphicFramePr>
+          <p:cNvPr id="3" name="Table 3">
+            <a:extLst>
+              <a:ext uri="{FF2B5EF4-FFF2-40B4-BE49-F238E27FC236}">
+                <a16:creationId xmlns:a16="http://schemas.microsoft.com/office/drawing/2014/main" id="{A0B476F1-1572-4814-9DDD-398338ACABDB}"/>
+              </a:ext>
+            </a:extLst>
+          </p:cNvPr>
+          <p:cNvGraphicFramePr>
+            <a:graphicFrameLocks noGrp="1"/>
+          </p:cNvGraphicFramePr>
+          <p:nvPr>
+            <p:extLst>
+              <p:ext uri="{D42A27DB-BD31-4B8C-83A1-F6EECF244321}">
+                <p14:modId xmlns:p14="http://schemas.microsoft.com/office/powerpoint/2010/main" val="766272947"/>
+              </p:ext>
+            </p:extLst>
+          </p:nvPr>
+        </p:nvGraphicFramePr>
+        <p:xfrm>
+          <a:off x="6356685" y="1938415"/>
+          <a:ext cx="5421966" cy="2225040"/>
+        </p:xfrm>
+        <a:graphic>
+          <a:graphicData uri="http://schemas.openxmlformats.org/drawingml/2006/table">
+            <a:tbl>
+              <a:tblPr firstRow="1" bandRow="1">
+                <a:tableStyleId>{5C22544A-7EE6-4342-B048-85BDC9FD1C3A}</a:tableStyleId>
+              </a:tblPr>
+              <a:tblGrid>
+                <a:gridCol w="1807322">
+                  <a:extLst>
+                    <a:ext uri="{9D8B030D-6E8A-4147-A177-3AD203B41FA5}">
+                      <a16:colId xmlns:a16="http://schemas.microsoft.com/office/drawing/2014/main" val="345322743"/>
+                    </a:ext>
+                  </a:extLst>
+                </a:gridCol>
+                <a:gridCol w="1807322">
+                  <a:extLst>
+                    <a:ext uri="{9D8B030D-6E8A-4147-A177-3AD203B41FA5}">
+                      <a16:colId xmlns:a16="http://schemas.microsoft.com/office/drawing/2014/main" val="3413512532"/>
+                    </a:ext>
+                  </a:extLst>
+                </a:gridCol>
+                <a:gridCol w="1807322">
+                  <a:extLst>
+                    <a:ext uri="{9D8B030D-6E8A-4147-A177-3AD203B41FA5}">
+                      <a16:colId xmlns:a16="http://schemas.microsoft.com/office/drawing/2014/main" val="3322585756"/>
+                    </a:ext>
+                  </a:extLst>
+                </a:gridCol>
+              </a:tblGrid>
+              <a:tr h="370840">
+                <a:tc>
+                  <a:txBody>
+                    <a:bodyPr/>
+                    <a:lstStyle/>
+                    <a:p>
+                      <a:r>
+                        <a:rPr lang="en-US" dirty="0"/>
+                        <a:t>Delay Type</a:t>
+                      </a:r>
+                    </a:p>
+                  </a:txBody>
+                  <a:tcPr/>
+                </a:tc>
+                <a:tc>
+                  <a:txBody>
+                    <a:bodyPr/>
+                    <a:lstStyle/>
+                    <a:p>
+                      <a:r>
+                        <a:rPr lang="en-US" dirty="0"/>
+                        <a:t>RO_0 Path</a:t>
+                      </a:r>
+                    </a:p>
+                  </a:txBody>
+                  <a:tcPr/>
+                </a:tc>
+                <a:tc>
+                  <a:txBody>
+                    <a:bodyPr/>
+                    <a:lstStyle/>
+                    <a:p>
+                      <a:r>
+                        <a:rPr lang="en-US" dirty="0"/>
+                        <a:t>RO_128 Path</a:t>
+                      </a:r>
+                    </a:p>
+                  </a:txBody>
+                  <a:tcPr/>
+                </a:tc>
+                <a:extLst>
+                  <a:ext uri="{0D108BD9-81ED-4DB2-BD59-A6C34878D82A}">
+                    <a16:rowId xmlns:a16="http://schemas.microsoft.com/office/drawing/2014/main" val="655592209"/>
+                  </a:ext>
+                </a:extLst>
+              </a:tr>
+              <a:tr h="370840">
+                <a:tc>
+                  <a:txBody>
+                    <a:bodyPr/>
+                    <a:lstStyle/>
+                    <a:p>
+                      <a:r>
+                        <a:rPr lang="en-US" dirty="0"/>
+                        <a:t>Delay1</a:t>
+                      </a:r>
+                    </a:p>
+                  </a:txBody>
+                  <a:tcPr/>
+                </a:tc>
+                <a:tc>
+                  <a:txBody>
+                    <a:bodyPr/>
+                    <a:lstStyle/>
+                    <a:p>
+                      <a:r>
+                        <a:rPr lang="en-US" dirty="0"/>
+                        <a:t>2</a:t>
+                      </a:r>
+                    </a:p>
+                  </a:txBody>
+                  <a:tcPr/>
+                </a:tc>
+                <a:tc>
+                  <a:txBody>
+                    <a:bodyPr/>
+                    <a:lstStyle/>
+                    <a:p>
+                      <a:r>
+                        <a:rPr lang="en-US" dirty="0"/>
+                        <a:t>5</a:t>
+                      </a:r>
+                    </a:p>
+                  </a:txBody>
+                  <a:tcPr/>
+                </a:tc>
+                <a:extLst>
+                  <a:ext uri="{0D108BD9-81ED-4DB2-BD59-A6C34878D82A}">
+                    <a16:rowId xmlns:a16="http://schemas.microsoft.com/office/drawing/2014/main" val="33254110"/>
+                  </a:ext>
+                </a:extLst>
+              </a:tr>
+              <a:tr h="370840">
+                <a:tc>
+                  <a:txBody>
+                    <a:bodyPr/>
+                    <a:lstStyle/>
+                    <a:p>
+                      <a:r>
+                        <a:rPr lang="en-US" dirty="0"/>
+                        <a:t>Delay2</a:t>
+                      </a:r>
+                    </a:p>
+                  </a:txBody>
+                  <a:tcPr/>
+                </a:tc>
+                <a:tc>
+                  <a:txBody>
+                    <a:bodyPr/>
+                    <a:lstStyle/>
+                    <a:p>
+                      <a:r>
+                        <a:rPr lang="en-US" dirty="0"/>
+                        <a:t>15</a:t>
+                      </a:r>
+                    </a:p>
+                  </a:txBody>
+                  <a:tcPr/>
+                </a:tc>
+                <a:tc>
+                  <a:txBody>
+                    <a:bodyPr/>
+                    <a:lstStyle/>
+                    <a:p>
+                      <a:r>
+                        <a:rPr lang="en-US" dirty="0"/>
+                        <a:t>15</a:t>
+                      </a:r>
+                    </a:p>
+                  </a:txBody>
+                  <a:tcPr/>
+                </a:tc>
+                <a:extLst>
+                  <a:ext uri="{0D108BD9-81ED-4DB2-BD59-A6C34878D82A}">
+                    <a16:rowId xmlns:a16="http://schemas.microsoft.com/office/drawing/2014/main" val="1887423555"/>
+                  </a:ext>
+                </a:extLst>
+              </a:tr>
+              <a:tr h="370840">
+                <a:tc>
+                  <a:txBody>
+                    <a:bodyPr/>
+                    <a:lstStyle/>
+                    <a:p>
+                      <a:r>
+                        <a:rPr lang="en-US" dirty="0"/>
+                        <a:t>Delay3</a:t>
+                      </a:r>
+                    </a:p>
+                  </a:txBody>
+                  <a:tcPr/>
+                </a:tc>
+                <a:tc>
+                  <a:txBody>
+                    <a:bodyPr/>
+                    <a:lstStyle/>
+                    <a:p>
+                      <a:r>
+                        <a:rPr lang="en-US" dirty="0"/>
+                        <a:t>5</a:t>
+                      </a:r>
+                    </a:p>
+                  </a:txBody>
+                  <a:tcPr/>
+                </a:tc>
+                <a:tc>
+                  <a:txBody>
+                    <a:bodyPr/>
+                    <a:lstStyle/>
+                    <a:p>
+                      <a:r>
+                        <a:rPr lang="en-US" dirty="0"/>
+                        <a:t>1</a:t>
+                      </a:r>
+                    </a:p>
+                  </a:txBody>
+                  <a:tcPr/>
+                </a:tc>
+                <a:extLst>
+                  <a:ext uri="{0D108BD9-81ED-4DB2-BD59-A6C34878D82A}">
+                    <a16:rowId xmlns:a16="http://schemas.microsoft.com/office/drawing/2014/main" val="2570995142"/>
+                  </a:ext>
+                </a:extLst>
+              </a:tr>
+              <a:tr h="370840">
+                <a:tc>
+                  <a:txBody>
+                    <a:bodyPr/>
+                    <a:lstStyle/>
+                    <a:p>
+                      <a:r>
+                        <a:rPr lang="en-US" dirty="0"/>
+                        <a:t>PV</a:t>
+                      </a:r>
+                    </a:p>
+                  </a:txBody>
+                  <a:tcPr/>
+                </a:tc>
+                <a:tc>
+                  <a:txBody>
+                    <a:bodyPr/>
+                    <a:lstStyle/>
+                    <a:p>
+                      <a:r>
+                        <a:rPr lang="en-US" dirty="0"/>
+                        <a:t>4</a:t>
+                      </a:r>
+                    </a:p>
+                  </a:txBody>
+                  <a:tcPr/>
+                </a:tc>
+                <a:tc>
+                  <a:txBody>
+                    <a:bodyPr/>
+                    <a:lstStyle/>
+                    <a:p>
+                      <a:r>
+                        <a:rPr lang="en-US" dirty="0"/>
+                        <a:t>3</a:t>
+                      </a:r>
+                    </a:p>
+                  </a:txBody>
+                  <a:tcPr/>
+                </a:tc>
+                <a:extLst>
+                  <a:ext uri="{0D108BD9-81ED-4DB2-BD59-A6C34878D82A}">
+                    <a16:rowId xmlns:a16="http://schemas.microsoft.com/office/drawing/2014/main" val="8716104"/>
+                  </a:ext>
+                </a:extLst>
+              </a:tr>
+              <a:tr h="370840">
+                <a:tc>
+                  <a:txBody>
+                    <a:bodyPr/>
+                    <a:lstStyle/>
+                    <a:p>
+                      <a:r>
+                        <a:rPr lang="en-US" dirty="0"/>
+                        <a:t>Total Delay</a:t>
+                      </a:r>
+                    </a:p>
+                  </a:txBody>
+                  <a:tcPr/>
+                </a:tc>
+                <a:tc>
+                  <a:txBody>
+                    <a:bodyPr/>
+                    <a:lstStyle/>
+                    <a:p>
+                      <a:r>
+                        <a:rPr lang="en-US" dirty="0"/>
+                        <a:t>36</a:t>
+                      </a:r>
+                    </a:p>
+                  </a:txBody>
+                  <a:tcPr/>
+                </a:tc>
+                <a:tc>
+                  <a:txBody>
+                    <a:bodyPr/>
+                    <a:lstStyle/>
+                    <a:p>
+                      <a:r>
+                        <a:rPr lang="en-US" dirty="0">
+                          <a:highlight>
+                            <a:srgbClr val="FFFF00"/>
+                          </a:highlight>
+                        </a:rPr>
+                        <a:t>24</a:t>
+                      </a:r>
+                    </a:p>
+                  </a:txBody>
+                  <a:tcPr/>
+                </a:tc>
+                <a:extLst>
+                  <a:ext uri="{0D108BD9-81ED-4DB2-BD59-A6C34878D82A}">
+                    <a16:rowId xmlns:a16="http://schemas.microsoft.com/office/drawing/2014/main" val="4018068355"/>
+                  </a:ext>
+                </a:extLst>
+              </a:tr>
+            </a:tbl>
+          </a:graphicData>
+        </a:graphic>
+      </p:graphicFrame>
+      <p:graphicFrame>
+        <p:nvGraphicFramePr>
+          <p:cNvPr id="9" name="Table 3">
+            <a:extLst>
+              <a:ext uri="{FF2B5EF4-FFF2-40B4-BE49-F238E27FC236}">
+                <a16:creationId xmlns:a16="http://schemas.microsoft.com/office/drawing/2014/main" id="{0854DC08-1E4A-4454-B61C-5270F4110233}"/>
+              </a:ext>
+            </a:extLst>
+          </p:cNvPr>
+          <p:cNvGraphicFramePr>
+            <a:graphicFrameLocks noGrp="1"/>
+          </p:cNvGraphicFramePr>
+          <p:nvPr>
+            <p:extLst>
+              <p:ext uri="{D42A27DB-BD31-4B8C-83A1-F6EECF244321}">
+                <p14:modId xmlns:p14="http://schemas.microsoft.com/office/powerpoint/2010/main" val="586896728"/>
+              </p:ext>
+            </p:extLst>
+          </p:nvPr>
+        </p:nvGraphicFramePr>
+        <p:xfrm>
+          <a:off x="6356685" y="4364510"/>
+          <a:ext cx="5421966" cy="2225040"/>
+        </p:xfrm>
+        <a:graphic>
+          <a:graphicData uri="http://schemas.openxmlformats.org/drawingml/2006/table">
+            <a:tbl>
+              <a:tblPr firstRow="1" bandRow="1">
+                <a:tableStyleId>{5C22544A-7EE6-4342-B048-85BDC9FD1C3A}</a:tableStyleId>
+              </a:tblPr>
+              <a:tblGrid>
+                <a:gridCol w="1807322">
+                  <a:extLst>
+                    <a:ext uri="{9D8B030D-6E8A-4147-A177-3AD203B41FA5}">
+                      <a16:colId xmlns:a16="http://schemas.microsoft.com/office/drawing/2014/main" val="345322743"/>
+                    </a:ext>
+                  </a:extLst>
+                </a:gridCol>
+                <a:gridCol w="1807322">
+                  <a:extLst>
+                    <a:ext uri="{9D8B030D-6E8A-4147-A177-3AD203B41FA5}">
+                      <a16:colId xmlns:a16="http://schemas.microsoft.com/office/drawing/2014/main" val="3413512532"/>
+                    </a:ext>
+                  </a:extLst>
+                </a:gridCol>
+                <a:gridCol w="1807322">
+                  <a:extLst>
+                    <a:ext uri="{9D8B030D-6E8A-4147-A177-3AD203B41FA5}">
+                      <a16:colId xmlns:a16="http://schemas.microsoft.com/office/drawing/2014/main" val="3322585756"/>
+                    </a:ext>
+                  </a:extLst>
+                </a:gridCol>
+              </a:tblGrid>
+              <a:tr h="370840">
+                <a:tc>
+                  <a:txBody>
+                    <a:bodyPr/>
+                    <a:lstStyle/>
+                    <a:p>
+                      <a:r>
+                        <a:rPr lang="en-US" dirty="0"/>
+                        <a:t>Delay Type</a:t>
+                      </a:r>
+                    </a:p>
+                  </a:txBody>
+                  <a:tcPr/>
+                </a:tc>
+                <a:tc>
+                  <a:txBody>
+                    <a:bodyPr/>
+                    <a:lstStyle/>
+                    <a:p>
+                      <a:r>
+                        <a:rPr lang="en-US" dirty="0"/>
+                        <a:t>RO_0 Path</a:t>
+                      </a:r>
+                    </a:p>
+                  </a:txBody>
+                  <a:tcPr/>
+                </a:tc>
+                <a:tc>
+                  <a:txBody>
+                    <a:bodyPr/>
+                    <a:lstStyle/>
+                    <a:p>
+                      <a:r>
+                        <a:rPr lang="en-US" dirty="0"/>
+                        <a:t>RO_128 Path</a:t>
+                      </a:r>
+                    </a:p>
+                  </a:txBody>
+                  <a:tcPr/>
+                </a:tc>
+                <a:extLst>
+                  <a:ext uri="{0D108BD9-81ED-4DB2-BD59-A6C34878D82A}">
+                    <a16:rowId xmlns:a16="http://schemas.microsoft.com/office/drawing/2014/main" val="655592209"/>
+                  </a:ext>
+                </a:extLst>
+              </a:tr>
+              <a:tr h="370840">
+                <a:tc>
+                  <a:txBody>
+                    <a:bodyPr/>
+                    <a:lstStyle/>
+                    <a:p>
+                      <a:r>
+                        <a:rPr lang="en-US" dirty="0"/>
+                        <a:t>Delay1</a:t>
+                      </a:r>
+                    </a:p>
+                  </a:txBody>
+                  <a:tcPr/>
+                </a:tc>
+                <a:tc>
+                  <a:txBody>
+                    <a:bodyPr/>
+                    <a:lstStyle/>
+                    <a:p>
+                      <a:r>
+                        <a:rPr lang="en-US" dirty="0"/>
+                        <a:t>2</a:t>
+                      </a:r>
+                    </a:p>
+                  </a:txBody>
+                  <a:tcPr/>
+                </a:tc>
+                <a:tc>
+                  <a:txBody>
+                    <a:bodyPr/>
+                    <a:lstStyle/>
+                    <a:p>
+                      <a:r>
+                        <a:rPr lang="en-US" dirty="0"/>
+                        <a:t>5</a:t>
+                      </a:r>
+                    </a:p>
+                  </a:txBody>
+                  <a:tcPr/>
+                </a:tc>
+                <a:extLst>
+                  <a:ext uri="{0D108BD9-81ED-4DB2-BD59-A6C34878D82A}">
+                    <a16:rowId xmlns:a16="http://schemas.microsoft.com/office/drawing/2014/main" val="33254110"/>
+                  </a:ext>
+                </a:extLst>
+              </a:tr>
+              <a:tr h="370840">
+                <a:tc>
+                  <a:txBody>
+                    <a:bodyPr/>
+                    <a:lstStyle/>
+                    <a:p>
+                      <a:r>
+                        <a:rPr lang="en-US" dirty="0"/>
+                        <a:t>Delay2</a:t>
+                      </a:r>
+                    </a:p>
+                  </a:txBody>
+                  <a:tcPr/>
+                </a:tc>
+                <a:tc>
+                  <a:txBody>
+                    <a:bodyPr/>
+                    <a:lstStyle/>
+                    <a:p>
+                      <a:r>
+                        <a:rPr lang="en-US" dirty="0"/>
+                        <a:t>15</a:t>
+                      </a:r>
+                    </a:p>
+                  </a:txBody>
+                  <a:tcPr/>
+                </a:tc>
+                <a:tc>
+                  <a:txBody>
+                    <a:bodyPr/>
+                    <a:lstStyle/>
+                    <a:p>
+                      <a:r>
+                        <a:rPr lang="en-US" dirty="0"/>
+                        <a:t>15</a:t>
+                      </a:r>
+                    </a:p>
+                  </a:txBody>
+                  <a:tcPr/>
+                </a:tc>
+                <a:extLst>
+                  <a:ext uri="{0D108BD9-81ED-4DB2-BD59-A6C34878D82A}">
+                    <a16:rowId xmlns:a16="http://schemas.microsoft.com/office/drawing/2014/main" val="1887423555"/>
+                  </a:ext>
+                </a:extLst>
+              </a:tr>
+              <a:tr h="370840">
+                <a:tc>
+                  <a:txBody>
+                    <a:bodyPr/>
+                    <a:lstStyle/>
+                    <a:p>
+                      <a:r>
+                        <a:rPr lang="en-US" dirty="0"/>
+                        <a:t>Delay3</a:t>
+                      </a:r>
+                    </a:p>
+                  </a:txBody>
+                  <a:tcPr/>
+                </a:tc>
+                <a:tc>
+                  <a:txBody>
+                    <a:bodyPr/>
+                    <a:lstStyle/>
+                    <a:p>
+                      <a:r>
+                        <a:rPr lang="en-US" dirty="0"/>
+                        <a:t>5</a:t>
+                      </a:r>
+                    </a:p>
+                  </a:txBody>
+                  <a:tcPr/>
+                </a:tc>
+                <a:tc>
+                  <a:txBody>
+                    <a:bodyPr/>
+                    <a:lstStyle/>
+                    <a:p>
+                      <a:r>
+                        <a:rPr lang="en-US" dirty="0"/>
+                        <a:t>1</a:t>
+                      </a:r>
+                    </a:p>
+                  </a:txBody>
+                  <a:tcPr/>
+                </a:tc>
+                <a:extLst>
+                  <a:ext uri="{0D108BD9-81ED-4DB2-BD59-A6C34878D82A}">
+                    <a16:rowId xmlns:a16="http://schemas.microsoft.com/office/drawing/2014/main" val="2570995142"/>
+                  </a:ext>
+                </a:extLst>
+              </a:tr>
+              <a:tr h="370840">
+                <a:tc>
+                  <a:txBody>
+                    <a:bodyPr/>
+                    <a:lstStyle/>
+                    <a:p>
+                      <a:r>
+                        <a:rPr lang="en-US" dirty="0"/>
+                        <a:t>PV</a:t>
+                      </a:r>
+                    </a:p>
+                  </a:txBody>
+                  <a:tcPr/>
+                </a:tc>
+                <a:tc>
+                  <a:txBody>
+                    <a:bodyPr/>
+                    <a:lstStyle/>
+                    <a:p>
+                      <a:r>
+                        <a:rPr lang="en-US" dirty="0"/>
+                        <a:t>1</a:t>
+                      </a:r>
+                    </a:p>
+                  </a:txBody>
+                  <a:tcPr/>
+                </a:tc>
+                <a:tc>
+                  <a:txBody>
+                    <a:bodyPr/>
+                    <a:lstStyle/>
+                    <a:p>
+                      <a:r>
+                        <a:rPr lang="en-US" dirty="0"/>
+                        <a:t>4</a:t>
+                      </a:r>
+                    </a:p>
+                  </a:txBody>
+                  <a:tcPr/>
+                </a:tc>
+                <a:extLst>
+                  <a:ext uri="{0D108BD9-81ED-4DB2-BD59-A6C34878D82A}">
+                    <a16:rowId xmlns:a16="http://schemas.microsoft.com/office/drawing/2014/main" val="8716104"/>
+                  </a:ext>
+                </a:extLst>
+              </a:tr>
+              <a:tr h="370840">
+                <a:tc>
+                  <a:txBody>
+                    <a:bodyPr/>
+                    <a:lstStyle/>
+                    <a:p>
+                      <a:r>
+                        <a:rPr lang="en-US" dirty="0"/>
+                        <a:t>Total Delay</a:t>
+                      </a:r>
+                    </a:p>
+                  </a:txBody>
+                  <a:tcPr/>
+                </a:tc>
+                <a:tc>
+                  <a:txBody>
+                    <a:bodyPr/>
+                    <a:lstStyle/>
+                    <a:p>
+                      <a:r>
+                        <a:rPr lang="en-US" dirty="0">
+                          <a:highlight>
+                            <a:srgbClr val="FFFF00"/>
+                          </a:highlight>
+                        </a:rPr>
+                        <a:t>23</a:t>
+                      </a:r>
+                    </a:p>
+                  </a:txBody>
+                  <a:tcPr/>
+                </a:tc>
+                <a:tc>
+                  <a:txBody>
+                    <a:bodyPr/>
+                    <a:lstStyle/>
+                    <a:p>
+                      <a:r>
+                        <a:rPr lang="en-US" dirty="0"/>
+                        <a:t>25</a:t>
+                      </a:r>
+                    </a:p>
+                  </a:txBody>
+                  <a:tcPr/>
+                </a:tc>
+                <a:extLst>
+                  <a:ext uri="{0D108BD9-81ED-4DB2-BD59-A6C34878D82A}">
+                    <a16:rowId xmlns:a16="http://schemas.microsoft.com/office/drawing/2014/main" val="4018068355"/>
+                  </a:ext>
+                </a:extLst>
+              </a:tr>
+            </a:tbl>
+          </a:graphicData>
+        </a:graphic>
+      </p:graphicFrame>
+      <p:sp>
+        <p:nvSpPr>
+          <p:cNvPr id="7" name="TextBox 6">
+            <a:extLst>
+              <a:ext uri="{FF2B5EF4-FFF2-40B4-BE49-F238E27FC236}">
+                <a16:creationId xmlns:a16="http://schemas.microsoft.com/office/drawing/2014/main" id="{094BE248-48D0-45D4-ADDE-59B6F6A743F0}"/>
+              </a:ext>
+            </a:extLst>
+          </p:cNvPr>
+          <p:cNvSpPr txBox="1"/>
+          <p:nvPr/>
+        </p:nvSpPr>
+        <p:spPr>
+          <a:xfrm>
+            <a:off x="5459195" y="1989106"/>
+            <a:ext cx="897490" cy="369332"/>
+          </a:xfrm>
+          <a:prstGeom prst="rect">
+            <a:avLst/>
+          </a:prstGeom>
+          <a:noFill/>
+        </p:spPr>
+        <p:txBody>
+          <a:bodyPr wrap="none" rtlCol="0">
+            <a:spAutoFit/>
+          </a:bodyPr>
+          <a:lstStyle/>
+          <a:p>
+            <a:r>
+              <a:rPr lang="en-US" dirty="0"/>
+              <a:t>Board1</a:t>
+            </a:r>
+          </a:p>
+        </p:txBody>
+      </p:sp>
+      <p:sp>
+        <p:nvSpPr>
+          <p:cNvPr id="13" name="TextBox 12">
+            <a:extLst>
+              <a:ext uri="{FF2B5EF4-FFF2-40B4-BE49-F238E27FC236}">
+                <a16:creationId xmlns:a16="http://schemas.microsoft.com/office/drawing/2014/main" id="{459401B8-7B84-4E02-8011-FCE14B8B3036}"/>
+              </a:ext>
+            </a:extLst>
+          </p:cNvPr>
+          <p:cNvSpPr txBox="1"/>
+          <p:nvPr/>
+        </p:nvSpPr>
+        <p:spPr>
+          <a:xfrm>
+            <a:off x="5477677" y="4361387"/>
+            <a:ext cx="897490" cy="369332"/>
+          </a:xfrm>
+          <a:prstGeom prst="rect">
+            <a:avLst/>
+          </a:prstGeom>
+          <a:noFill/>
+        </p:spPr>
+        <p:txBody>
+          <a:bodyPr wrap="none" rtlCol="0">
+            <a:spAutoFit/>
+          </a:bodyPr>
+          <a:lstStyle/>
+          <a:p>
+            <a:r>
+              <a:rPr lang="en-US" dirty="0"/>
+              <a:t>Board2</a:t>
+            </a:r>
+          </a:p>
+        </p:txBody>
+      </p:sp>
+      <p:cxnSp>
+        <p:nvCxnSpPr>
+          <p:cNvPr id="14" name="Straight Connector 13">
+            <a:extLst>
+              <a:ext uri="{FF2B5EF4-FFF2-40B4-BE49-F238E27FC236}">
+                <a16:creationId xmlns:a16="http://schemas.microsoft.com/office/drawing/2014/main" id="{507BF5AE-6B42-422E-A1D6-E463D7383ECD}"/>
+              </a:ext>
+            </a:extLst>
+          </p:cNvPr>
+          <p:cNvCxnSpPr/>
+          <p:nvPr/>
+        </p:nvCxnSpPr>
+        <p:spPr>
+          <a:xfrm>
+            <a:off x="5299444" y="1989106"/>
+            <a:ext cx="0" cy="4363568"/>
+          </a:xfrm>
+          <a:prstGeom prst="line">
+            <a:avLst/>
+          </a:prstGeom>
+          <a:ln w="38100">
+            <a:solidFill>
+              <a:schemeClr val="tx1"/>
+            </a:solidFill>
+          </a:ln>
+        </p:spPr>
+        <p:style>
+          <a:lnRef idx="1">
+            <a:schemeClr val="dk1"/>
+          </a:lnRef>
+          <a:fillRef idx="0">
+            <a:schemeClr val="dk1"/>
+          </a:fillRef>
+          <a:effectRef idx="0">
+            <a:schemeClr val="dk1"/>
+          </a:effectRef>
+          <a:fontRef idx="minor">
+            <a:schemeClr val="tx1"/>
+          </a:fontRef>
+        </p:style>
+      </p:cxnSp>
+      <p:sp>
+        <p:nvSpPr>
+          <p:cNvPr id="4" name="TextBox 3">
+            <a:extLst>
+              <a:ext uri="{FF2B5EF4-FFF2-40B4-BE49-F238E27FC236}">
+                <a16:creationId xmlns:a16="http://schemas.microsoft.com/office/drawing/2014/main" id="{AD9C5C08-07BE-4FB6-B294-FDB7C1ED4EC4}"/>
+              </a:ext>
+            </a:extLst>
+          </p:cNvPr>
+          <p:cNvSpPr txBox="1"/>
+          <p:nvPr/>
+        </p:nvSpPr>
+        <p:spPr>
+          <a:xfrm>
+            <a:off x="254533" y="1989355"/>
+            <a:ext cx="4676042" cy="4801314"/>
+          </a:xfrm>
+          <a:prstGeom prst="rect">
+            <a:avLst/>
+          </a:prstGeom>
+          <a:noFill/>
+        </p:spPr>
+        <p:txBody>
+          <a:bodyPr wrap="square" rtlCol="0">
+            <a:spAutoFit/>
+          </a:bodyPr>
+          <a:lstStyle/>
+          <a:p>
+            <a:pPr marL="285750" indent="-285750">
+              <a:buFont typeface="Arial" panose="020B0604020202020204" pitchFamily="34" charset="0"/>
+              <a:buChar char="•"/>
+            </a:pPr>
+            <a:r>
+              <a:rPr lang="en-US" dirty="0"/>
+              <a:t>PV has a greater change to dominate the output</a:t>
+            </a:r>
+          </a:p>
+          <a:p>
+            <a:pPr marL="285750" indent="-285750">
+              <a:buFont typeface="Arial" panose="020B0604020202020204" pitchFamily="34" charset="0"/>
+              <a:buChar char="•"/>
+            </a:pPr>
+            <a:r>
+              <a:rPr lang="en-US" dirty="0"/>
+              <a:t>But Delay1 and Delay3 can sometimes dominate, making inter-HD less than 0.5</a:t>
+            </a:r>
+          </a:p>
+          <a:p>
+            <a:pPr marL="285750" indent="-285750">
+              <a:buFont typeface="Arial" panose="020B0604020202020204" pitchFamily="34" charset="0"/>
+              <a:buChar char="•"/>
+            </a:pPr>
+            <a:r>
+              <a:rPr lang="en-US" dirty="0"/>
+              <a:t>Possible solution:</a:t>
+            </a:r>
+          </a:p>
+          <a:p>
+            <a:pPr marL="742950" lvl="1" indent="-285750">
+              <a:buFont typeface="Arial" panose="020B0604020202020204" pitchFamily="34" charset="0"/>
+              <a:buChar char="•"/>
+            </a:pPr>
+            <a:r>
+              <a:rPr lang="en-US" dirty="0"/>
+              <a:t>Change placement so that the routing between the </a:t>
+            </a:r>
+            <a:r>
+              <a:rPr lang="en-US" b="1" dirty="0"/>
+              <a:t>controller</a:t>
+            </a:r>
+            <a:r>
+              <a:rPr lang="en-US" dirty="0"/>
+              <a:t> and each </a:t>
+            </a:r>
+            <a:r>
+              <a:rPr lang="en-US" b="1" dirty="0"/>
+              <a:t>RO</a:t>
+            </a:r>
+            <a:r>
+              <a:rPr lang="en-US" dirty="0"/>
+              <a:t> are the same (decrease difference between Delay1’s)</a:t>
+            </a:r>
+          </a:p>
+          <a:p>
+            <a:pPr marL="742950" lvl="1" indent="-285750">
+              <a:buFont typeface="Arial" panose="020B0604020202020204" pitchFamily="34" charset="0"/>
+              <a:buChar char="•"/>
+            </a:pPr>
+            <a:r>
+              <a:rPr lang="en-US" dirty="0"/>
+              <a:t>Change placement so that the routing between the </a:t>
+            </a:r>
+            <a:r>
+              <a:rPr lang="en-US" b="1" dirty="0"/>
+              <a:t>RO</a:t>
+            </a:r>
+            <a:r>
+              <a:rPr lang="en-US" dirty="0"/>
+              <a:t> and the </a:t>
+            </a:r>
+            <a:r>
+              <a:rPr lang="en-US" b="1" dirty="0"/>
+              <a:t>counter</a:t>
+            </a:r>
+            <a:r>
+              <a:rPr lang="en-US" dirty="0"/>
+              <a:t> are the same (decrease difference between Delay3’s)</a:t>
+            </a:r>
+          </a:p>
+          <a:p>
+            <a:pPr marL="742950" lvl="1" indent="-285750">
+              <a:buFont typeface="Arial" panose="020B0604020202020204" pitchFamily="34" charset="0"/>
+              <a:buChar char="•"/>
+            </a:pPr>
+            <a:r>
+              <a:rPr lang="en-US" dirty="0"/>
+              <a:t>Choose FPGAs with greater process variation (increase difference between PV)</a:t>
+            </a:r>
+          </a:p>
+          <a:p>
+            <a:pPr marL="742950" lvl="1" indent="-285750">
+              <a:buFont typeface="Arial" panose="020B0604020202020204" pitchFamily="34" charset="0"/>
+              <a:buChar char="•"/>
+            </a:pPr>
+            <a:endParaRPr lang="en-US" dirty="0"/>
+          </a:p>
+        </p:txBody>
+      </p:sp>
+    </p:spTree>
+    <p:extLst>
+      <p:ext uri="{BB962C8B-B14F-4D97-AF65-F5344CB8AC3E}">
+        <p14:creationId xmlns:p14="http://schemas.microsoft.com/office/powerpoint/2010/main" val="3749445551"/>
+      </p:ext>
+    </p:extLst>
+  </p:cSld>
+  <p:clrMapOvr>
+    <a:masterClrMapping/>
+  </p:clrMapOvr>
+</p:sld>
+</file>
+
+<file path=ppt/slides/slide29.xml><?xml version="1.0" encoding="utf-8"?>
+<p:sld xmlns:a="http://schemas.openxmlformats.org/drawingml/2006/main" xmlns:r="http://schemas.openxmlformats.org/officeDocument/2006/relationships" xmlns:p="http://schemas.openxmlformats.org/presentationml/2006/main">
+  <p:cSld>
+    <p:spTree>
+      <p:nvGrpSpPr>
+        <p:cNvPr id="1" name=""/>
+        <p:cNvGrpSpPr/>
+        <p:nvPr/>
+      </p:nvGrpSpPr>
+      <p:grpSpPr>
+        <a:xfrm>
+          <a:off x="0" y="0"/>
+          <a:ext cx="0" cy="0"/>
+          <a:chOff x="0" y="0"/>
+          <a:chExt cx="0" cy="0"/>
+        </a:xfrm>
+      </p:grpSpPr>
+      <p:sp>
+        <p:nvSpPr>
+          <p:cNvPr id="2" name="Title 1">
+            <a:extLst>
+              <a:ext uri="{FF2B5EF4-FFF2-40B4-BE49-F238E27FC236}">
+                <a16:creationId xmlns:a16="http://schemas.microsoft.com/office/drawing/2014/main" id="{EAB58386-9922-4A3A-944B-3FE30C707EBD}"/>
+              </a:ext>
+            </a:extLst>
+          </p:cNvPr>
+          <p:cNvSpPr>
+            <a:spLocks noGrp="1"/>
+          </p:cNvSpPr>
+          <p:nvPr>
+            <p:ph type="title"/>
+          </p:nvPr>
+        </p:nvSpPr>
+        <p:spPr/>
+        <p:txBody>
+          <a:bodyPr/>
+          <a:lstStyle/>
+          <a:p>
+            <a:r>
+              <a:rPr lang="en-US" dirty="0"/>
+              <a:t>Possible Improvements and Limitations</a:t>
+            </a:r>
+          </a:p>
+        </p:txBody>
+      </p:sp>
+      <p:graphicFrame>
+        <p:nvGraphicFramePr>
+          <p:cNvPr id="3" name="Table 3">
+            <a:extLst>
+              <a:ext uri="{FF2B5EF4-FFF2-40B4-BE49-F238E27FC236}">
+                <a16:creationId xmlns:a16="http://schemas.microsoft.com/office/drawing/2014/main" id="{A0B476F1-1572-4814-9DDD-398338ACABDB}"/>
+              </a:ext>
+            </a:extLst>
+          </p:cNvPr>
+          <p:cNvGraphicFramePr>
+            <a:graphicFrameLocks noGrp="1"/>
+          </p:cNvGraphicFramePr>
+          <p:nvPr/>
+        </p:nvGraphicFramePr>
+        <p:xfrm>
+          <a:off x="6356685" y="1938415"/>
+          <a:ext cx="5421966" cy="2225040"/>
+        </p:xfrm>
+        <a:graphic>
+          <a:graphicData uri="http://schemas.openxmlformats.org/drawingml/2006/table">
+            <a:tbl>
+              <a:tblPr firstRow="1" bandRow="1">
+                <a:tableStyleId>{5C22544A-7EE6-4342-B048-85BDC9FD1C3A}</a:tableStyleId>
+              </a:tblPr>
+              <a:tblGrid>
+                <a:gridCol w="1807322">
+                  <a:extLst>
+                    <a:ext uri="{9D8B030D-6E8A-4147-A177-3AD203B41FA5}">
+                      <a16:colId xmlns:a16="http://schemas.microsoft.com/office/drawing/2014/main" val="345322743"/>
+                    </a:ext>
+                  </a:extLst>
+                </a:gridCol>
+                <a:gridCol w="1807322">
+                  <a:extLst>
+                    <a:ext uri="{9D8B030D-6E8A-4147-A177-3AD203B41FA5}">
+                      <a16:colId xmlns:a16="http://schemas.microsoft.com/office/drawing/2014/main" val="3413512532"/>
+                    </a:ext>
+                  </a:extLst>
+                </a:gridCol>
+                <a:gridCol w="1807322">
+                  <a:extLst>
+                    <a:ext uri="{9D8B030D-6E8A-4147-A177-3AD203B41FA5}">
+                      <a16:colId xmlns:a16="http://schemas.microsoft.com/office/drawing/2014/main" val="3322585756"/>
+                    </a:ext>
+                  </a:extLst>
+                </a:gridCol>
+              </a:tblGrid>
+              <a:tr h="370840">
+                <a:tc>
+                  <a:txBody>
+                    <a:bodyPr/>
+                    <a:lstStyle/>
+                    <a:p>
+                      <a:r>
+                        <a:rPr lang="en-US" dirty="0"/>
+                        <a:t>Delay Type</a:t>
+                      </a:r>
+                    </a:p>
+                  </a:txBody>
+                  <a:tcPr/>
+                </a:tc>
+                <a:tc>
+                  <a:txBody>
+                    <a:bodyPr/>
+                    <a:lstStyle/>
+                    <a:p>
+                      <a:r>
+                        <a:rPr lang="en-US" dirty="0"/>
+                        <a:t>RO_0 Path</a:t>
+                      </a:r>
+                    </a:p>
+                  </a:txBody>
+                  <a:tcPr/>
+                </a:tc>
+                <a:tc>
+                  <a:txBody>
+                    <a:bodyPr/>
+                    <a:lstStyle/>
+                    <a:p>
+                      <a:r>
+                        <a:rPr lang="en-US" dirty="0"/>
+                        <a:t>RO_128 Path</a:t>
+                      </a:r>
+                    </a:p>
+                  </a:txBody>
+                  <a:tcPr/>
+                </a:tc>
+                <a:extLst>
+                  <a:ext uri="{0D108BD9-81ED-4DB2-BD59-A6C34878D82A}">
+                    <a16:rowId xmlns:a16="http://schemas.microsoft.com/office/drawing/2014/main" val="655592209"/>
+                  </a:ext>
+                </a:extLst>
+              </a:tr>
+              <a:tr h="370840">
+                <a:tc>
+                  <a:txBody>
+                    <a:bodyPr/>
+                    <a:lstStyle/>
+                    <a:p>
+                      <a:r>
+                        <a:rPr lang="en-US" dirty="0"/>
+                        <a:t>Delay1</a:t>
+                      </a:r>
+                    </a:p>
+                  </a:txBody>
+                  <a:tcPr/>
+                </a:tc>
+                <a:tc>
+                  <a:txBody>
+                    <a:bodyPr/>
+                    <a:lstStyle/>
+                    <a:p>
+                      <a:r>
+                        <a:rPr lang="en-US" dirty="0"/>
+                        <a:t>2</a:t>
+                      </a:r>
+                    </a:p>
+                  </a:txBody>
+                  <a:tcPr/>
+                </a:tc>
+                <a:tc>
+                  <a:txBody>
+                    <a:bodyPr/>
+                    <a:lstStyle/>
+                    <a:p>
+                      <a:r>
+                        <a:rPr lang="en-US" dirty="0"/>
+                        <a:t>5</a:t>
+                      </a:r>
+                    </a:p>
+                  </a:txBody>
+                  <a:tcPr/>
+                </a:tc>
+                <a:extLst>
+                  <a:ext uri="{0D108BD9-81ED-4DB2-BD59-A6C34878D82A}">
+                    <a16:rowId xmlns:a16="http://schemas.microsoft.com/office/drawing/2014/main" val="33254110"/>
+                  </a:ext>
+                </a:extLst>
+              </a:tr>
+              <a:tr h="370840">
+                <a:tc>
+                  <a:txBody>
+                    <a:bodyPr/>
+                    <a:lstStyle/>
+                    <a:p>
+                      <a:r>
+                        <a:rPr lang="en-US" dirty="0"/>
+                        <a:t>Delay2</a:t>
+                      </a:r>
+                    </a:p>
+                  </a:txBody>
+                  <a:tcPr/>
+                </a:tc>
+                <a:tc>
+                  <a:txBody>
+                    <a:bodyPr/>
+                    <a:lstStyle/>
+                    <a:p>
+                      <a:r>
+                        <a:rPr lang="en-US" dirty="0"/>
+                        <a:t>15</a:t>
+                      </a:r>
+                    </a:p>
+                  </a:txBody>
+                  <a:tcPr/>
+                </a:tc>
+                <a:tc>
+                  <a:txBody>
+                    <a:bodyPr/>
+                    <a:lstStyle/>
+                    <a:p>
+                      <a:r>
+                        <a:rPr lang="en-US" dirty="0"/>
+                        <a:t>15</a:t>
+                      </a:r>
+                    </a:p>
+                  </a:txBody>
+                  <a:tcPr/>
+                </a:tc>
+                <a:extLst>
+                  <a:ext uri="{0D108BD9-81ED-4DB2-BD59-A6C34878D82A}">
+                    <a16:rowId xmlns:a16="http://schemas.microsoft.com/office/drawing/2014/main" val="1887423555"/>
+                  </a:ext>
+                </a:extLst>
+              </a:tr>
+              <a:tr h="370840">
+                <a:tc>
+                  <a:txBody>
+                    <a:bodyPr/>
+                    <a:lstStyle/>
+                    <a:p>
+                      <a:r>
+                        <a:rPr lang="en-US" dirty="0"/>
+                        <a:t>Delay3</a:t>
+                      </a:r>
+                    </a:p>
+                  </a:txBody>
+                  <a:tcPr/>
+                </a:tc>
+                <a:tc>
+                  <a:txBody>
+                    <a:bodyPr/>
+                    <a:lstStyle/>
+                    <a:p>
+                      <a:r>
+                        <a:rPr lang="en-US" dirty="0"/>
+                        <a:t>5</a:t>
+                      </a:r>
+                    </a:p>
+                  </a:txBody>
+                  <a:tcPr/>
+                </a:tc>
+                <a:tc>
+                  <a:txBody>
+                    <a:bodyPr/>
+                    <a:lstStyle/>
+                    <a:p>
+                      <a:r>
+                        <a:rPr lang="en-US" dirty="0"/>
+                        <a:t>1</a:t>
+                      </a:r>
+                    </a:p>
+                  </a:txBody>
+                  <a:tcPr/>
+                </a:tc>
+                <a:extLst>
+                  <a:ext uri="{0D108BD9-81ED-4DB2-BD59-A6C34878D82A}">
+                    <a16:rowId xmlns:a16="http://schemas.microsoft.com/office/drawing/2014/main" val="2570995142"/>
+                  </a:ext>
+                </a:extLst>
+              </a:tr>
+              <a:tr h="370840">
+                <a:tc>
+                  <a:txBody>
+                    <a:bodyPr/>
+                    <a:lstStyle/>
+                    <a:p>
+                      <a:r>
+                        <a:rPr lang="en-US" dirty="0"/>
+                        <a:t>PV</a:t>
+                      </a:r>
+                    </a:p>
+                  </a:txBody>
+                  <a:tcPr/>
+                </a:tc>
+                <a:tc>
+                  <a:txBody>
+                    <a:bodyPr/>
+                    <a:lstStyle/>
+                    <a:p>
+                      <a:r>
+                        <a:rPr lang="en-US" dirty="0"/>
+                        <a:t>4</a:t>
+                      </a:r>
+                    </a:p>
+                  </a:txBody>
+                  <a:tcPr/>
+                </a:tc>
+                <a:tc>
+                  <a:txBody>
+                    <a:bodyPr/>
+                    <a:lstStyle/>
+                    <a:p>
+                      <a:r>
+                        <a:rPr lang="en-US" dirty="0"/>
+                        <a:t>3</a:t>
+                      </a:r>
+                    </a:p>
+                  </a:txBody>
+                  <a:tcPr/>
+                </a:tc>
+                <a:extLst>
+                  <a:ext uri="{0D108BD9-81ED-4DB2-BD59-A6C34878D82A}">
+                    <a16:rowId xmlns:a16="http://schemas.microsoft.com/office/drawing/2014/main" val="8716104"/>
+                  </a:ext>
+                </a:extLst>
+              </a:tr>
+              <a:tr h="370840">
+                <a:tc>
+                  <a:txBody>
+                    <a:bodyPr/>
+                    <a:lstStyle/>
+                    <a:p>
+                      <a:r>
+                        <a:rPr lang="en-US" dirty="0"/>
+                        <a:t>Total Delay</a:t>
+                      </a:r>
+                    </a:p>
+                  </a:txBody>
+                  <a:tcPr/>
+                </a:tc>
+                <a:tc>
+                  <a:txBody>
+                    <a:bodyPr/>
+                    <a:lstStyle/>
+                    <a:p>
+                      <a:r>
+                        <a:rPr lang="en-US" dirty="0"/>
+                        <a:t>36</a:t>
+                      </a:r>
+                    </a:p>
+                  </a:txBody>
+                  <a:tcPr/>
+                </a:tc>
+                <a:tc>
+                  <a:txBody>
+                    <a:bodyPr/>
+                    <a:lstStyle/>
+                    <a:p>
+                      <a:r>
+                        <a:rPr lang="en-US" dirty="0">
+                          <a:highlight>
+                            <a:srgbClr val="FFFF00"/>
+                          </a:highlight>
+                        </a:rPr>
+                        <a:t>24</a:t>
+                      </a:r>
+                    </a:p>
+                  </a:txBody>
+                  <a:tcPr/>
+                </a:tc>
+                <a:extLst>
+                  <a:ext uri="{0D108BD9-81ED-4DB2-BD59-A6C34878D82A}">
+                    <a16:rowId xmlns:a16="http://schemas.microsoft.com/office/drawing/2014/main" val="4018068355"/>
+                  </a:ext>
+                </a:extLst>
+              </a:tr>
+            </a:tbl>
+          </a:graphicData>
+        </a:graphic>
+      </p:graphicFrame>
+      <p:graphicFrame>
+        <p:nvGraphicFramePr>
+          <p:cNvPr id="9" name="Table 3">
+            <a:extLst>
+              <a:ext uri="{FF2B5EF4-FFF2-40B4-BE49-F238E27FC236}">
+                <a16:creationId xmlns:a16="http://schemas.microsoft.com/office/drawing/2014/main" id="{0854DC08-1E4A-4454-B61C-5270F4110233}"/>
+              </a:ext>
+            </a:extLst>
+          </p:cNvPr>
+          <p:cNvGraphicFramePr>
+            <a:graphicFrameLocks noGrp="1"/>
+          </p:cNvGraphicFramePr>
+          <p:nvPr/>
+        </p:nvGraphicFramePr>
+        <p:xfrm>
+          <a:off x="6356685" y="4364510"/>
+          <a:ext cx="5421966" cy="2225040"/>
+        </p:xfrm>
+        <a:graphic>
+          <a:graphicData uri="http://schemas.openxmlformats.org/drawingml/2006/table">
+            <a:tbl>
+              <a:tblPr firstRow="1" bandRow="1">
+                <a:tableStyleId>{5C22544A-7EE6-4342-B048-85BDC9FD1C3A}</a:tableStyleId>
+              </a:tblPr>
+              <a:tblGrid>
+                <a:gridCol w="1807322">
+                  <a:extLst>
+                    <a:ext uri="{9D8B030D-6E8A-4147-A177-3AD203B41FA5}">
+                      <a16:colId xmlns:a16="http://schemas.microsoft.com/office/drawing/2014/main" val="345322743"/>
+                    </a:ext>
+                  </a:extLst>
+                </a:gridCol>
+                <a:gridCol w="1807322">
+                  <a:extLst>
+                    <a:ext uri="{9D8B030D-6E8A-4147-A177-3AD203B41FA5}">
+                      <a16:colId xmlns:a16="http://schemas.microsoft.com/office/drawing/2014/main" val="3413512532"/>
+                    </a:ext>
+                  </a:extLst>
+                </a:gridCol>
+                <a:gridCol w="1807322">
+                  <a:extLst>
+                    <a:ext uri="{9D8B030D-6E8A-4147-A177-3AD203B41FA5}">
+                      <a16:colId xmlns:a16="http://schemas.microsoft.com/office/drawing/2014/main" val="3322585756"/>
+                    </a:ext>
+                  </a:extLst>
+                </a:gridCol>
+              </a:tblGrid>
+              <a:tr h="370840">
+                <a:tc>
+                  <a:txBody>
+                    <a:bodyPr/>
+                    <a:lstStyle/>
+                    <a:p>
+                      <a:r>
+                        <a:rPr lang="en-US" dirty="0"/>
+                        <a:t>Delay Type</a:t>
+                      </a:r>
+                    </a:p>
+                  </a:txBody>
+                  <a:tcPr/>
+                </a:tc>
+                <a:tc>
+                  <a:txBody>
+                    <a:bodyPr/>
+                    <a:lstStyle/>
+                    <a:p>
+                      <a:r>
+                        <a:rPr lang="en-US" dirty="0"/>
+                        <a:t>RO_0 Path</a:t>
+                      </a:r>
+                    </a:p>
+                  </a:txBody>
+                  <a:tcPr/>
+                </a:tc>
+                <a:tc>
+                  <a:txBody>
+                    <a:bodyPr/>
+                    <a:lstStyle/>
+                    <a:p>
+                      <a:r>
+                        <a:rPr lang="en-US" dirty="0"/>
+                        <a:t>RO_128 Path</a:t>
+                      </a:r>
+                    </a:p>
+                  </a:txBody>
+                  <a:tcPr/>
+                </a:tc>
+                <a:extLst>
+                  <a:ext uri="{0D108BD9-81ED-4DB2-BD59-A6C34878D82A}">
+                    <a16:rowId xmlns:a16="http://schemas.microsoft.com/office/drawing/2014/main" val="655592209"/>
+                  </a:ext>
+                </a:extLst>
+              </a:tr>
+              <a:tr h="370840">
+                <a:tc>
+                  <a:txBody>
+                    <a:bodyPr/>
+                    <a:lstStyle/>
+                    <a:p>
+                      <a:r>
+                        <a:rPr lang="en-US" dirty="0"/>
+                        <a:t>Delay1</a:t>
+                      </a:r>
+                    </a:p>
+                  </a:txBody>
+                  <a:tcPr/>
+                </a:tc>
+                <a:tc>
+                  <a:txBody>
+                    <a:bodyPr/>
+                    <a:lstStyle/>
+                    <a:p>
+                      <a:r>
+                        <a:rPr lang="en-US" dirty="0"/>
+                        <a:t>2</a:t>
+                      </a:r>
+                    </a:p>
+                  </a:txBody>
+                  <a:tcPr/>
+                </a:tc>
+                <a:tc>
+                  <a:txBody>
+                    <a:bodyPr/>
+                    <a:lstStyle/>
+                    <a:p>
+                      <a:r>
+                        <a:rPr lang="en-US" dirty="0"/>
+                        <a:t>5</a:t>
+                      </a:r>
+                    </a:p>
+                  </a:txBody>
+                  <a:tcPr/>
+                </a:tc>
+                <a:extLst>
+                  <a:ext uri="{0D108BD9-81ED-4DB2-BD59-A6C34878D82A}">
+                    <a16:rowId xmlns:a16="http://schemas.microsoft.com/office/drawing/2014/main" val="33254110"/>
+                  </a:ext>
+                </a:extLst>
+              </a:tr>
+              <a:tr h="370840">
+                <a:tc>
+                  <a:txBody>
+                    <a:bodyPr/>
+                    <a:lstStyle/>
+                    <a:p>
+                      <a:r>
+                        <a:rPr lang="en-US" dirty="0"/>
+                        <a:t>Delay2</a:t>
+                      </a:r>
+                    </a:p>
+                  </a:txBody>
+                  <a:tcPr/>
+                </a:tc>
+                <a:tc>
+                  <a:txBody>
+                    <a:bodyPr/>
+                    <a:lstStyle/>
+                    <a:p>
+                      <a:r>
+                        <a:rPr lang="en-US" dirty="0"/>
+                        <a:t>15</a:t>
+                      </a:r>
+                    </a:p>
+                  </a:txBody>
+                  <a:tcPr/>
+                </a:tc>
+                <a:tc>
+                  <a:txBody>
+                    <a:bodyPr/>
+                    <a:lstStyle/>
+                    <a:p>
+                      <a:r>
+                        <a:rPr lang="en-US" dirty="0"/>
+                        <a:t>15</a:t>
+                      </a:r>
+                    </a:p>
+                  </a:txBody>
+                  <a:tcPr/>
+                </a:tc>
+                <a:extLst>
+                  <a:ext uri="{0D108BD9-81ED-4DB2-BD59-A6C34878D82A}">
+                    <a16:rowId xmlns:a16="http://schemas.microsoft.com/office/drawing/2014/main" val="1887423555"/>
+                  </a:ext>
+                </a:extLst>
+              </a:tr>
+              <a:tr h="370840">
+                <a:tc>
+                  <a:txBody>
+                    <a:bodyPr/>
+                    <a:lstStyle/>
+                    <a:p>
+                      <a:r>
+                        <a:rPr lang="en-US" dirty="0"/>
+                        <a:t>Delay3</a:t>
+                      </a:r>
+                    </a:p>
+                  </a:txBody>
+                  <a:tcPr/>
+                </a:tc>
+                <a:tc>
+                  <a:txBody>
+                    <a:bodyPr/>
+                    <a:lstStyle/>
+                    <a:p>
+                      <a:r>
+                        <a:rPr lang="en-US" dirty="0"/>
+                        <a:t>5</a:t>
+                      </a:r>
+                    </a:p>
+                  </a:txBody>
+                  <a:tcPr/>
+                </a:tc>
+                <a:tc>
+                  <a:txBody>
+                    <a:bodyPr/>
+                    <a:lstStyle/>
+                    <a:p>
+                      <a:r>
+                        <a:rPr lang="en-US" dirty="0"/>
+                        <a:t>1</a:t>
+                      </a:r>
+                    </a:p>
+                  </a:txBody>
+                  <a:tcPr/>
+                </a:tc>
+                <a:extLst>
+                  <a:ext uri="{0D108BD9-81ED-4DB2-BD59-A6C34878D82A}">
+                    <a16:rowId xmlns:a16="http://schemas.microsoft.com/office/drawing/2014/main" val="2570995142"/>
+                  </a:ext>
+                </a:extLst>
+              </a:tr>
+              <a:tr h="370840">
+                <a:tc>
+                  <a:txBody>
+                    <a:bodyPr/>
+                    <a:lstStyle/>
+                    <a:p>
+                      <a:r>
+                        <a:rPr lang="en-US" dirty="0"/>
+                        <a:t>PV</a:t>
+                      </a:r>
+                    </a:p>
+                  </a:txBody>
+                  <a:tcPr/>
+                </a:tc>
+                <a:tc>
+                  <a:txBody>
+                    <a:bodyPr/>
+                    <a:lstStyle/>
+                    <a:p>
+                      <a:r>
+                        <a:rPr lang="en-US" dirty="0"/>
+                        <a:t>1</a:t>
+                      </a:r>
+                    </a:p>
+                  </a:txBody>
+                  <a:tcPr/>
+                </a:tc>
+                <a:tc>
+                  <a:txBody>
+                    <a:bodyPr/>
+                    <a:lstStyle/>
+                    <a:p>
+                      <a:r>
+                        <a:rPr lang="en-US" dirty="0"/>
+                        <a:t>4</a:t>
+                      </a:r>
+                    </a:p>
+                  </a:txBody>
+                  <a:tcPr/>
+                </a:tc>
+                <a:extLst>
+                  <a:ext uri="{0D108BD9-81ED-4DB2-BD59-A6C34878D82A}">
+                    <a16:rowId xmlns:a16="http://schemas.microsoft.com/office/drawing/2014/main" val="8716104"/>
+                  </a:ext>
+                </a:extLst>
+              </a:tr>
+              <a:tr h="370840">
+                <a:tc>
+                  <a:txBody>
+                    <a:bodyPr/>
+                    <a:lstStyle/>
+                    <a:p>
+                      <a:r>
+                        <a:rPr lang="en-US" dirty="0"/>
+                        <a:t>Total Delay</a:t>
+                      </a:r>
+                    </a:p>
+                  </a:txBody>
+                  <a:tcPr/>
+                </a:tc>
+                <a:tc>
+                  <a:txBody>
+                    <a:bodyPr/>
+                    <a:lstStyle/>
+                    <a:p>
+                      <a:r>
+                        <a:rPr lang="en-US" dirty="0">
+                          <a:highlight>
+                            <a:srgbClr val="FFFF00"/>
+                          </a:highlight>
+                        </a:rPr>
+                        <a:t>23</a:t>
+                      </a:r>
+                    </a:p>
+                  </a:txBody>
+                  <a:tcPr/>
+                </a:tc>
+                <a:tc>
+                  <a:txBody>
+                    <a:bodyPr/>
+                    <a:lstStyle/>
+                    <a:p>
+                      <a:r>
+                        <a:rPr lang="en-US" dirty="0"/>
+                        <a:t>25</a:t>
+                      </a:r>
+                    </a:p>
+                  </a:txBody>
+                  <a:tcPr/>
+                </a:tc>
+                <a:extLst>
+                  <a:ext uri="{0D108BD9-81ED-4DB2-BD59-A6C34878D82A}">
+                    <a16:rowId xmlns:a16="http://schemas.microsoft.com/office/drawing/2014/main" val="4018068355"/>
+                  </a:ext>
+                </a:extLst>
+              </a:tr>
+            </a:tbl>
+          </a:graphicData>
+        </a:graphic>
+      </p:graphicFrame>
+      <p:sp>
+        <p:nvSpPr>
+          <p:cNvPr id="7" name="TextBox 6">
+            <a:extLst>
+              <a:ext uri="{FF2B5EF4-FFF2-40B4-BE49-F238E27FC236}">
+                <a16:creationId xmlns:a16="http://schemas.microsoft.com/office/drawing/2014/main" id="{094BE248-48D0-45D4-ADDE-59B6F6A743F0}"/>
+              </a:ext>
+            </a:extLst>
+          </p:cNvPr>
+          <p:cNvSpPr txBox="1"/>
+          <p:nvPr/>
+        </p:nvSpPr>
+        <p:spPr>
+          <a:xfrm>
+            <a:off x="5459195" y="1989106"/>
+            <a:ext cx="897490" cy="369332"/>
+          </a:xfrm>
+          <a:prstGeom prst="rect">
+            <a:avLst/>
+          </a:prstGeom>
+          <a:noFill/>
+        </p:spPr>
+        <p:txBody>
+          <a:bodyPr wrap="none" rtlCol="0">
+            <a:spAutoFit/>
+          </a:bodyPr>
+          <a:lstStyle/>
+          <a:p>
+            <a:r>
+              <a:rPr lang="en-US" dirty="0"/>
+              <a:t>Board1</a:t>
+            </a:r>
+          </a:p>
+        </p:txBody>
+      </p:sp>
+      <p:sp>
+        <p:nvSpPr>
+          <p:cNvPr id="13" name="TextBox 12">
+            <a:extLst>
+              <a:ext uri="{FF2B5EF4-FFF2-40B4-BE49-F238E27FC236}">
+                <a16:creationId xmlns:a16="http://schemas.microsoft.com/office/drawing/2014/main" id="{459401B8-7B84-4E02-8011-FCE14B8B3036}"/>
+              </a:ext>
+            </a:extLst>
+          </p:cNvPr>
+          <p:cNvSpPr txBox="1"/>
+          <p:nvPr/>
+        </p:nvSpPr>
+        <p:spPr>
+          <a:xfrm>
+            <a:off x="5477677" y="4361387"/>
+            <a:ext cx="897490" cy="369332"/>
+          </a:xfrm>
+          <a:prstGeom prst="rect">
+            <a:avLst/>
+          </a:prstGeom>
+          <a:noFill/>
+        </p:spPr>
+        <p:txBody>
+          <a:bodyPr wrap="none" rtlCol="0">
+            <a:spAutoFit/>
+          </a:bodyPr>
+          <a:lstStyle/>
+          <a:p>
+            <a:r>
+              <a:rPr lang="en-US" dirty="0"/>
+              <a:t>Board2</a:t>
+            </a:r>
+          </a:p>
+        </p:txBody>
+      </p:sp>
+      <p:cxnSp>
+        <p:nvCxnSpPr>
+          <p:cNvPr id="14" name="Straight Connector 13">
+            <a:extLst>
+              <a:ext uri="{FF2B5EF4-FFF2-40B4-BE49-F238E27FC236}">
+                <a16:creationId xmlns:a16="http://schemas.microsoft.com/office/drawing/2014/main" id="{507BF5AE-6B42-422E-A1D6-E463D7383ECD}"/>
+              </a:ext>
+            </a:extLst>
+          </p:cNvPr>
+          <p:cNvCxnSpPr/>
+          <p:nvPr/>
+        </p:nvCxnSpPr>
+        <p:spPr>
+          <a:xfrm>
+            <a:off x="5299444" y="1989106"/>
+            <a:ext cx="0" cy="4363568"/>
+          </a:xfrm>
+          <a:prstGeom prst="line">
+            <a:avLst/>
+          </a:prstGeom>
+          <a:ln w="38100">
+            <a:solidFill>
+              <a:schemeClr val="tx1"/>
+            </a:solidFill>
+          </a:ln>
+        </p:spPr>
+        <p:style>
+          <a:lnRef idx="1">
+            <a:schemeClr val="dk1"/>
+          </a:lnRef>
+          <a:fillRef idx="0">
+            <a:schemeClr val="dk1"/>
+          </a:fillRef>
+          <a:effectRef idx="0">
+            <a:schemeClr val="dk1"/>
+          </a:effectRef>
+          <a:fontRef idx="minor">
+            <a:schemeClr val="tx1"/>
+          </a:fontRef>
+        </p:style>
+      </p:cxnSp>
+      <p:sp>
+        <p:nvSpPr>
+          <p:cNvPr id="4" name="TextBox 3">
+            <a:extLst>
+              <a:ext uri="{FF2B5EF4-FFF2-40B4-BE49-F238E27FC236}">
+                <a16:creationId xmlns:a16="http://schemas.microsoft.com/office/drawing/2014/main" id="{AD9C5C08-07BE-4FB6-B294-FDB7C1ED4EC4}"/>
+              </a:ext>
+            </a:extLst>
+          </p:cNvPr>
+          <p:cNvSpPr txBox="1"/>
+          <p:nvPr/>
+        </p:nvSpPr>
+        <p:spPr>
+          <a:xfrm>
+            <a:off x="254533" y="1989355"/>
+            <a:ext cx="4676042" cy="2585323"/>
+          </a:xfrm>
+          <a:prstGeom prst="rect">
+            <a:avLst/>
+          </a:prstGeom>
+          <a:noFill/>
+        </p:spPr>
+        <p:txBody>
+          <a:bodyPr wrap="square" rtlCol="0">
+            <a:spAutoFit/>
+          </a:bodyPr>
+          <a:lstStyle/>
+          <a:p>
+            <a:pPr marL="285750" indent="-285750">
+              <a:buFont typeface="Arial" panose="020B0604020202020204" pitchFamily="34" charset="0"/>
+              <a:buChar char="•"/>
+            </a:pPr>
+            <a:r>
+              <a:rPr lang="en-US" dirty="0"/>
+              <a:t>Limitations (why we did not make those improvement):</a:t>
+            </a:r>
+          </a:p>
+          <a:p>
+            <a:pPr marL="742950" lvl="1" indent="-285750">
+              <a:buFont typeface="Arial" panose="020B0604020202020204" pitchFamily="34" charset="0"/>
+              <a:buChar char="•"/>
+            </a:pPr>
+            <a:r>
+              <a:rPr lang="en-US" dirty="0"/>
+              <a:t>To change placement, we need to consider the routing resources as well. If the ROs are not placed column by column, it is hard to keep track of the internal routing of 256 ROs manually</a:t>
+            </a:r>
+          </a:p>
+          <a:p>
+            <a:pPr marL="742950" lvl="1" indent="-285750">
+              <a:buFont typeface="Arial" panose="020B0604020202020204" pitchFamily="34" charset="0"/>
+              <a:buChar char="•"/>
+            </a:pPr>
+            <a:r>
+              <a:rPr lang="en-US" dirty="0"/>
+              <a:t>We are limited to the kind of boards we have</a:t>
+            </a:r>
+          </a:p>
+        </p:txBody>
+      </p:sp>
+    </p:spTree>
+    <p:extLst>
+      <p:ext uri="{BB962C8B-B14F-4D97-AF65-F5344CB8AC3E}">
+        <p14:creationId xmlns:p14="http://schemas.microsoft.com/office/powerpoint/2010/main" val="1462146227"/>
       </p:ext>
     </p:extLst>
   </p:cSld>
@@ -7634,6 +12065,291 @@
     <p:extLst>
       <p:ext uri="{BB962C8B-B14F-4D97-AF65-F5344CB8AC3E}">
         <p14:creationId xmlns:p14="http://schemas.microsoft.com/office/powerpoint/2010/main" val="530794084"/>
+      </p:ext>
+    </p:extLst>
+  </p:cSld>
+  <p:clrMapOvr>
+    <a:masterClrMapping/>
+  </p:clrMapOvr>
+</p:sld>
+</file>
+
+<file path=ppt/slides/slide30.xml><?xml version="1.0" encoding="utf-8"?>
+<p:sld xmlns:a="http://schemas.openxmlformats.org/drawingml/2006/main" xmlns:r="http://schemas.openxmlformats.org/officeDocument/2006/relationships" xmlns:p="http://schemas.openxmlformats.org/presentationml/2006/main">
+  <p:cSld>
+    <p:spTree>
+      <p:nvGrpSpPr>
+        <p:cNvPr id="1" name=""/>
+        <p:cNvGrpSpPr/>
+        <p:nvPr/>
+      </p:nvGrpSpPr>
+      <p:grpSpPr>
+        <a:xfrm>
+          <a:off x="0" y="0"/>
+          <a:ext cx="0" cy="0"/>
+          <a:chOff x="0" y="0"/>
+          <a:chExt cx="0" cy="0"/>
+        </a:xfrm>
+      </p:grpSpPr>
+      <p:sp>
+        <p:nvSpPr>
+          <p:cNvPr id="2" name="Title 1">
+            <a:extLst>
+              <a:ext uri="{FF2B5EF4-FFF2-40B4-BE49-F238E27FC236}">
+                <a16:creationId xmlns:a16="http://schemas.microsoft.com/office/drawing/2014/main" id="{FD523BDB-94A4-114F-A885-33BA18C83F94}"/>
+              </a:ext>
+            </a:extLst>
+          </p:cNvPr>
+          <p:cNvSpPr>
+            <a:spLocks noGrp="1"/>
+          </p:cNvSpPr>
+          <p:nvPr>
+            <p:ph type="title"/>
+          </p:nvPr>
+        </p:nvSpPr>
+        <p:spPr/>
+        <p:txBody>
+          <a:bodyPr/>
+          <a:lstStyle/>
+          <a:p>
+            <a:r>
+              <a:rPr lang="en-US" dirty="0"/>
+              <a:t>Conclusion</a:t>
+            </a:r>
+          </a:p>
+        </p:txBody>
+      </p:sp>
+      <p:sp>
+        <p:nvSpPr>
+          <p:cNvPr id="3" name="Content Placeholder 2">
+            <a:extLst>
+              <a:ext uri="{FF2B5EF4-FFF2-40B4-BE49-F238E27FC236}">
+                <a16:creationId xmlns:a16="http://schemas.microsoft.com/office/drawing/2014/main" id="{962BA595-DEF4-A94A-A749-280900A21CC7}"/>
+              </a:ext>
+            </a:extLst>
+          </p:cNvPr>
+          <p:cNvSpPr>
+            <a:spLocks noGrp="1"/>
+          </p:cNvSpPr>
+          <p:nvPr>
+            <p:ph idx="1"/>
+          </p:nvPr>
+        </p:nvSpPr>
+        <p:spPr/>
+        <p:txBody>
+          <a:bodyPr/>
+          <a:lstStyle/>
+          <a:p>
+            <a:pPr>
+              <a:buFont typeface="Wingdings" pitchFamily="2" charset="2"/>
+              <a:buChar char="Ø"/>
+            </a:pPr>
+            <a:r>
+              <a:rPr lang="en-US" dirty="0"/>
+              <a:t> </a:t>
+            </a:r>
+            <a:r>
+              <a:rPr lang="en-US" sz="2400" dirty="0"/>
+              <a:t>We build a 16-bit Ring Oscillator Physical Unclonable Function with great complexity in both hardware structure and software algorithm, which can be used in hardware security protection in the real world.</a:t>
+            </a:r>
+          </a:p>
+          <a:p>
+            <a:pPr>
+              <a:buFont typeface="Wingdings" pitchFamily="2" charset="2"/>
+              <a:buChar char="Ø"/>
+            </a:pPr>
+            <a:r>
+              <a:rPr lang="en-US" sz="2400" dirty="0"/>
+              <a:t> Currently it is highly reliable and relatively special for each devices, which can be shown from our test output and data analysis. We are satisfied about our progress and result.</a:t>
+            </a:r>
+          </a:p>
+        </p:txBody>
+      </p:sp>
+    </p:spTree>
+    <p:extLst>
+      <p:ext uri="{BB962C8B-B14F-4D97-AF65-F5344CB8AC3E}">
+        <p14:creationId xmlns:p14="http://schemas.microsoft.com/office/powerpoint/2010/main" val="2074797362"/>
+      </p:ext>
+    </p:extLst>
+  </p:cSld>
+  <p:clrMapOvr>
+    <a:masterClrMapping/>
+  </p:clrMapOvr>
+</p:sld>
+</file>
+
+<file path=ppt/slides/slide31.xml><?xml version="1.0" encoding="utf-8"?>
+<p:sld xmlns:a="http://schemas.openxmlformats.org/drawingml/2006/main" xmlns:r="http://schemas.openxmlformats.org/officeDocument/2006/relationships" xmlns:p="http://schemas.openxmlformats.org/presentationml/2006/main">
+  <p:cSld>
+    <p:spTree>
+      <p:nvGrpSpPr>
+        <p:cNvPr id="1" name=""/>
+        <p:cNvGrpSpPr/>
+        <p:nvPr/>
+      </p:nvGrpSpPr>
+      <p:grpSpPr>
+        <a:xfrm>
+          <a:off x="0" y="0"/>
+          <a:ext cx="0" cy="0"/>
+          <a:chOff x="0" y="0"/>
+          <a:chExt cx="0" cy="0"/>
+        </a:xfrm>
+      </p:grpSpPr>
+      <p:sp>
+        <p:nvSpPr>
+          <p:cNvPr id="2" name="Title 1">
+            <a:extLst>
+              <a:ext uri="{FF2B5EF4-FFF2-40B4-BE49-F238E27FC236}">
+                <a16:creationId xmlns:a16="http://schemas.microsoft.com/office/drawing/2014/main" id="{500BA6FB-67DF-254E-A89F-1264B9139AFE}"/>
+              </a:ext>
+            </a:extLst>
+          </p:cNvPr>
+          <p:cNvSpPr>
+            <a:spLocks noGrp="1"/>
+          </p:cNvSpPr>
+          <p:nvPr>
+            <p:ph type="title"/>
+          </p:nvPr>
+        </p:nvSpPr>
+        <p:spPr/>
+        <p:txBody>
+          <a:bodyPr/>
+          <a:lstStyle/>
+          <a:p>
+            <a:r>
+              <a:rPr lang="en-US" dirty="0"/>
+              <a:t>Reference</a:t>
+            </a:r>
+          </a:p>
+        </p:txBody>
+      </p:sp>
+      <p:sp>
+        <p:nvSpPr>
+          <p:cNvPr id="3" name="Content Placeholder 2">
+            <a:extLst>
+              <a:ext uri="{FF2B5EF4-FFF2-40B4-BE49-F238E27FC236}">
+                <a16:creationId xmlns:a16="http://schemas.microsoft.com/office/drawing/2014/main" id="{98687920-D533-4A4F-8132-C6E50B8046BF}"/>
+              </a:ext>
+            </a:extLst>
+          </p:cNvPr>
+          <p:cNvSpPr>
+            <a:spLocks noGrp="1"/>
+          </p:cNvSpPr>
+          <p:nvPr>
+            <p:ph idx="1"/>
+          </p:nvPr>
+        </p:nvSpPr>
+        <p:spPr>
+          <a:xfrm>
+            <a:off x="1097280" y="2108201"/>
+            <a:ext cx="10058400" cy="3908551"/>
+          </a:xfrm>
+        </p:spPr>
+        <p:txBody>
+          <a:bodyPr/>
+          <a:lstStyle/>
+          <a:p>
+            <a:r>
+              <a:rPr lang="en-US" dirty="0"/>
+              <a:t>[1] </a:t>
+            </a:r>
+            <a:r>
+              <a:rPr lang="en-US" dirty="0" err="1"/>
+              <a:t>Tehranipoor</a:t>
+            </a:r>
+            <a:r>
+              <a:rPr lang="en-US" dirty="0"/>
+              <a:t> and C. Wang (Eds.), Introduction to Hardware Security and Trust, </a:t>
+            </a:r>
+            <a:r>
+              <a:rPr lang="en-US" i="1" dirty="0"/>
+              <a:t>Springer</a:t>
+            </a:r>
+            <a:r>
+              <a:rPr lang="en-US" dirty="0"/>
+              <a:t>, 2011</a:t>
+            </a:r>
+          </a:p>
+          <a:p>
+            <a:r>
+              <a:rPr lang="en-US" dirty="0"/>
+              <a:t>[2] R. </a:t>
+            </a:r>
+            <a:r>
+              <a:rPr lang="en-US" dirty="0" err="1"/>
+              <a:t>Pappu</a:t>
+            </a:r>
+            <a:r>
+              <a:rPr lang="en-US" dirty="0"/>
+              <a:t>, B. </a:t>
+            </a:r>
+            <a:r>
+              <a:rPr lang="en-US" dirty="0" err="1"/>
+              <a:t>Recht</a:t>
+            </a:r>
+            <a:r>
+              <a:rPr lang="en-US" dirty="0"/>
+              <a:t>, J. Taylor, and N. </a:t>
+            </a:r>
+            <a:r>
+              <a:rPr lang="en-US" dirty="0" err="1"/>
+              <a:t>Gershenfeld</a:t>
+            </a:r>
+            <a:r>
+              <a:rPr lang="en-US" dirty="0"/>
+              <a:t>. 2002. Physical one-way functions. Science 297(2002), 2026–2030.</a:t>
+            </a:r>
+          </a:p>
+          <a:p>
+            <a:r>
+              <a:rPr lang="en-US" dirty="0"/>
+              <a:t>[3] B. </a:t>
+            </a:r>
+            <a:r>
+              <a:rPr lang="en-US" dirty="0" err="1"/>
+              <a:t>Gassend</a:t>
+            </a:r>
+            <a:r>
+              <a:rPr lang="en-US" dirty="0"/>
+              <a:t>, D. Clarke, M. van Dijk, and S. Devadas. 2002. Silicon physical random functions. In CCS. 148–160.</a:t>
+            </a:r>
+          </a:p>
+          <a:p>
+            <a:r>
+              <a:rPr lang="en-US" dirty="0"/>
+              <a:t>[4] M. </a:t>
+            </a:r>
+            <a:r>
+              <a:rPr lang="en-US" dirty="0" err="1"/>
+              <a:t>Majzoobi</a:t>
+            </a:r>
+            <a:r>
+              <a:rPr lang="en-US" dirty="0"/>
+              <a:t>, M. Rostami, F. </a:t>
+            </a:r>
+            <a:r>
+              <a:rPr lang="en-US" dirty="0" err="1"/>
+              <a:t>Koushanfar</a:t>
+            </a:r>
+            <a:r>
+              <a:rPr lang="en-US" dirty="0"/>
+              <a:t>, D.S. Wallach, and S. Devadas. 2012. Slender PUF Protocol: A Lightweight, Robust, and Secure Authentication by Substring Matching. In IEEE Symposium on Security and Privacy Workshops (SPW). 33 – </a:t>
+            </a:r>
+            <a:r>
+              <a:rPr lang="en-US"/>
+              <a:t>44.</a:t>
+            </a:r>
+            <a:endParaRPr lang="en-US" dirty="0"/>
+          </a:p>
+          <a:p>
+            <a:endParaRPr lang="en-US" dirty="0"/>
+          </a:p>
+        </p:txBody>
+      </p:sp>
+    </p:spTree>
+    <p:extLst>
+      <p:ext uri="{BB962C8B-B14F-4D97-AF65-F5344CB8AC3E}">
+        <p14:creationId xmlns:p14="http://schemas.microsoft.com/office/powerpoint/2010/main" val="2957769080"/>
       </p:ext>
     </p:extLst>
   </p:cSld>
